--- a/Customer_Retention_Analysis.pptx
+++ b/Customer_Retention_Analysis.pptx
@@ -5,35 +5,37 @@
     <p:sldMasterId id="2147483648" r:id="rId1"/>
   </p:sldMasterIdLst>
   <p:notesMasterIdLst>
-    <p:notesMasterId r:id="rId11"/>
+    <p:notesMasterId r:id="rId13"/>
   </p:notesMasterIdLst>
   <p:sldIdLst>
     <p:sldId id="256" r:id="rId2"/>
     <p:sldId id="257" r:id="rId3"/>
     <p:sldId id="258" r:id="rId4"/>
-    <p:sldId id="259" r:id="rId5"/>
-    <p:sldId id="260" r:id="rId6"/>
-    <p:sldId id="261" r:id="rId7"/>
-    <p:sldId id="265" r:id="rId8"/>
-    <p:sldId id="266" r:id="rId9"/>
-    <p:sldId id="264" r:id="rId10"/>
+    <p:sldId id="267" r:id="rId5"/>
+    <p:sldId id="268" r:id="rId6"/>
+    <p:sldId id="269" r:id="rId7"/>
+    <p:sldId id="259" r:id="rId8"/>
+    <p:sldId id="260" r:id="rId9"/>
+    <p:sldId id="261" r:id="rId10"/>
+    <p:sldId id="265" r:id="rId11"/>
+    <p:sldId id="264" r:id="rId12"/>
   </p:sldIdLst>
   <p:sldSz cx="9144000" cy="5143500" type="screen16x9"/>
   <p:notesSz cx="6858000" cy="9144000"/>
   <p:embeddedFontLst>
     <p:embeddedFont>
       <p:font typeface="Calibri" panose="020F0502020204030204" pitchFamily="34" charset="0"/>
-      <p:regular r:id="rId12"/>
-      <p:bold r:id="rId13"/>
-      <p:italic r:id="rId14"/>
-      <p:boldItalic r:id="rId15"/>
+      <p:regular r:id="rId14"/>
+      <p:bold r:id="rId15"/>
+      <p:italic r:id="rId16"/>
+      <p:boldItalic r:id="rId17"/>
     </p:embeddedFont>
     <p:embeddedFont>
       <p:font typeface="Roboto" panose="02000000000000000000" pitchFamily="2" charset="0"/>
-      <p:regular r:id="rId16"/>
-      <p:bold r:id="rId17"/>
-      <p:italic r:id="rId18"/>
-      <p:boldItalic r:id="rId19"/>
+      <p:regular r:id="rId18"/>
+      <p:bold r:id="rId19"/>
+      <p:italic r:id="rId20"/>
+      <p:boldItalic r:id="rId21"/>
     </p:embeddedFont>
   </p:embeddedFontLst>
   <p:defaultTextStyle>
@@ -286,7 +288,7 @@
       </p15:sldGuideLst>
     </p:ext>
     <p:ext uri="http://customooxmlschemas.google.com/">
-      <go:slidesCustomData xmlns="" xmlns:mc="http://schemas.openxmlformats.org/markup-compatibility/2006" xmlns:mv="urn:schemas-microsoft-com:mac:vml" xmlns:c="http://schemas.openxmlformats.org/drawingml/2006/chart" xmlns:dgm="http://schemas.openxmlformats.org/drawingml/2006/diagram" xmlns:o="urn:schemas-microsoft-com:office:office" xmlns:v="urn:schemas-microsoft-com:vml" xmlns:pvml="urn:schemas-microsoft-com:office:powerpoint" xmlns:com="http://schemas.openxmlformats.org/drawingml/2006/compatibility" xmlns:p14="http://schemas.microsoft.com/office/powerpoint/2010/main" xmlns:p15="http://schemas.microsoft.com/office/powerpoint/2012/main" xmlns:ahyp="http://schemas.microsoft.com/office/drawing/2018/hyperlinkcolor" xmlns:go="http://customooxmlschemas.google.com/" r:id="rId20" roundtripDataSignature="AMtx7mjb2I1n+WepPvL9TpCga933cEE+oA=="/>
+      <go:slidesCustomData xmlns:go="http://customooxmlschemas.google.com/" xmlns:ahyp="http://schemas.microsoft.com/office/drawing/2018/hyperlinkcolor" xmlns:p15="http://schemas.microsoft.com/office/powerpoint/2012/main" xmlns:p14="http://schemas.microsoft.com/office/powerpoint/2010/main" xmlns:com="http://schemas.openxmlformats.org/drawingml/2006/compatibility" xmlns:pvml="urn:schemas-microsoft-com:office:powerpoint" xmlns:v="urn:schemas-microsoft-com:vml" xmlns:o="urn:schemas-microsoft-com:office:office" xmlns:dgm="http://schemas.openxmlformats.org/drawingml/2006/diagram" xmlns:c="http://schemas.openxmlformats.org/drawingml/2006/chart" xmlns:mv="urn:schemas-microsoft-com:mac:vml" xmlns:mc="http://schemas.openxmlformats.org/markup-compatibility/2006" xmlns="" r:id="rId22" roundtripDataSignature="AMtx7mjb2I1n+WepPvL9TpCga933cEE+oA=="/>
     </p:ext>
   </p:extLst>
 </p:presentation>
@@ -993,6 +995,259 @@
 </p:notes>
 </file>
 
+<file path=ppt/notesSlides/notesSlide10.xml><?xml version="1.0" encoding="utf-8"?>
+<p:notes xmlns:a="http://schemas.openxmlformats.org/drawingml/2006/main" xmlns:r="http://schemas.openxmlformats.org/officeDocument/2006/relationships" xmlns:p="http://schemas.openxmlformats.org/presentationml/2006/main" showMasterSp="0" showMasterPhAnim="0">
+  <p:cSld>
+    <p:spTree>
+      <p:nvGrpSpPr>
+        <p:cNvPr id="1" name="Shape 98"/>
+        <p:cNvGrpSpPr/>
+        <p:nvPr/>
+      </p:nvGrpSpPr>
+      <p:grpSpPr>
+        <a:xfrm>
+          <a:off x="0" y="0"/>
+          <a:ext cx="0" cy="0"/>
+          <a:chOff x="0" y="0"/>
+          <a:chExt cx="0" cy="0"/>
+        </a:xfrm>
+      </p:grpSpPr>
+      <p:sp>
+        <p:nvSpPr>
+          <p:cNvPr id="99" name="Google Shape;99;p7:notes"/>
+          <p:cNvSpPr>
+            <a:spLocks noGrp="1" noRot="1" noChangeAspect="1"/>
+          </p:cNvSpPr>
+          <p:nvPr>
+            <p:ph type="sldImg" idx="2"/>
+          </p:nvPr>
+        </p:nvSpPr>
+        <p:spPr>
+          <a:xfrm>
+            <a:off x="381000" y="685800"/>
+            <a:ext cx="6096000" cy="3429000"/>
+          </a:xfrm>
+          <a:custGeom>
+            <a:avLst/>
+            <a:gdLst/>
+            <a:ahLst/>
+            <a:cxnLst/>
+            <a:rect l="l" t="t" r="r" b="b"/>
+            <a:pathLst>
+              <a:path w="120000" h="120000" extrusionOk="0">
+                <a:moveTo>
+                  <a:pt x="0" y="0"/>
+                </a:moveTo>
+                <a:lnTo>
+                  <a:pt x="120000" y="0"/>
+                </a:lnTo>
+                <a:lnTo>
+                  <a:pt x="120000" y="120000"/>
+                </a:lnTo>
+                <a:lnTo>
+                  <a:pt x="0" y="120000"/>
+                </a:lnTo>
+                <a:close/>
+              </a:path>
+            </a:pathLst>
+          </a:custGeom>
+          <a:noFill/>
+          <a:ln w="9525" cap="flat" cmpd="sng">
+            <a:solidFill>
+              <a:srgbClr val="000000"/>
+            </a:solidFill>
+            <a:prstDash val="solid"/>
+            <a:round/>
+            <a:headEnd type="none" w="sm" len="sm"/>
+            <a:tailEnd type="none" w="sm" len="sm"/>
+          </a:ln>
+        </p:spPr>
+      </p:sp>
+      <p:sp>
+        <p:nvSpPr>
+          <p:cNvPr id="100" name="Google Shape;100;p7:notes"/>
+          <p:cNvSpPr txBox="1">
+            <a:spLocks noGrp="1"/>
+          </p:cNvSpPr>
+          <p:nvPr>
+            <p:ph type="body" idx="1"/>
+          </p:nvPr>
+        </p:nvSpPr>
+        <p:spPr>
+          <a:xfrm>
+            <a:off x="685800" y="4343400"/>
+            <a:ext cx="5486400" cy="4114800"/>
+          </a:xfrm>
+          <a:prstGeom prst="rect">
+            <a:avLst/>
+          </a:prstGeom>
+          <a:noFill/>
+          <a:ln>
+            <a:noFill/>
+          </a:ln>
+        </p:spPr>
+        <p:txBody>
+          <a:bodyPr spcFirstLastPara="1" wrap="square" lIns="91425" tIns="91425" rIns="91425" bIns="91425" anchor="t" anchorCtr="0">
+            <a:noAutofit/>
+          </a:bodyPr>
+          <a:lstStyle/>
+          <a:p>
+            <a:pPr marL="457200" marR="0" lvl="0" indent="-228600" algn="l" rtl="0">
+              <a:lnSpc>
+                <a:spcPct val="100000"/>
+              </a:lnSpc>
+              <a:spcBef>
+                <a:spcPts val="0"/>
+              </a:spcBef>
+              <a:spcAft>
+                <a:spcPts val="0"/>
+              </a:spcAft>
+              <a:buClr>
+                <a:srgbClr val="000000"/>
+              </a:buClr>
+              <a:buSzPts val="1100"/>
+              <a:buFont typeface="Arial"/>
+              <a:buNone/>
+            </a:pPr>
+            <a:endParaRPr/>
+          </a:p>
+        </p:txBody>
+      </p:sp>
+    </p:spTree>
+    <p:extLst>
+      <p:ext uri="{BB962C8B-B14F-4D97-AF65-F5344CB8AC3E}">
+        <p14:creationId xmlns:p14="http://schemas.microsoft.com/office/powerpoint/2010/main" val="2812741354"/>
+      </p:ext>
+    </p:extLst>
+  </p:cSld>
+  <p:clrMapOvr>
+    <a:masterClrMapping/>
+  </p:clrMapOvr>
+</p:notes>
+</file>
+
+<file path=ppt/notesSlides/notesSlide11.xml><?xml version="1.0" encoding="utf-8"?>
+<p:notes xmlns:a="http://schemas.openxmlformats.org/drawingml/2006/main" xmlns:r="http://schemas.openxmlformats.org/officeDocument/2006/relationships" xmlns:p="http://schemas.openxmlformats.org/presentationml/2006/main" showMasterSp="0" showMasterPhAnim="0">
+  <p:cSld>
+    <p:spTree>
+      <p:nvGrpSpPr>
+        <p:cNvPr id="1" name="Shape 131"/>
+        <p:cNvGrpSpPr/>
+        <p:nvPr/>
+      </p:nvGrpSpPr>
+      <p:grpSpPr>
+        <a:xfrm>
+          <a:off x="0" y="0"/>
+          <a:ext cx="0" cy="0"/>
+          <a:chOff x="0" y="0"/>
+          <a:chExt cx="0" cy="0"/>
+        </a:xfrm>
+      </p:grpSpPr>
+      <p:sp>
+        <p:nvSpPr>
+          <p:cNvPr id="132" name="Google Shape;132;p11:notes"/>
+          <p:cNvSpPr>
+            <a:spLocks noGrp="1" noRot="1" noChangeAspect="1"/>
+          </p:cNvSpPr>
+          <p:nvPr>
+            <p:ph type="sldImg" idx="2"/>
+          </p:nvPr>
+        </p:nvSpPr>
+        <p:spPr>
+          <a:xfrm>
+            <a:off x="381000" y="685800"/>
+            <a:ext cx="6096000" cy="3429000"/>
+          </a:xfrm>
+          <a:custGeom>
+            <a:avLst/>
+            <a:gdLst/>
+            <a:ahLst/>
+            <a:cxnLst/>
+            <a:rect l="l" t="t" r="r" b="b"/>
+            <a:pathLst>
+              <a:path w="120000" h="120000" extrusionOk="0">
+                <a:moveTo>
+                  <a:pt x="0" y="0"/>
+                </a:moveTo>
+                <a:lnTo>
+                  <a:pt x="120000" y="0"/>
+                </a:lnTo>
+                <a:lnTo>
+                  <a:pt x="120000" y="120000"/>
+                </a:lnTo>
+                <a:lnTo>
+                  <a:pt x="0" y="120000"/>
+                </a:lnTo>
+                <a:close/>
+              </a:path>
+            </a:pathLst>
+          </a:custGeom>
+          <a:noFill/>
+          <a:ln w="9525" cap="flat" cmpd="sng">
+            <a:solidFill>
+              <a:srgbClr val="000000"/>
+            </a:solidFill>
+            <a:prstDash val="solid"/>
+            <a:round/>
+            <a:headEnd type="none" w="sm" len="sm"/>
+            <a:tailEnd type="none" w="sm" len="sm"/>
+          </a:ln>
+        </p:spPr>
+      </p:sp>
+      <p:sp>
+        <p:nvSpPr>
+          <p:cNvPr id="133" name="Google Shape;133;p11:notes"/>
+          <p:cNvSpPr txBox="1">
+            <a:spLocks noGrp="1"/>
+          </p:cNvSpPr>
+          <p:nvPr>
+            <p:ph type="body" idx="1"/>
+          </p:nvPr>
+        </p:nvSpPr>
+        <p:spPr>
+          <a:xfrm>
+            <a:off x="685800" y="4343400"/>
+            <a:ext cx="5486400" cy="4114800"/>
+          </a:xfrm>
+          <a:prstGeom prst="rect">
+            <a:avLst/>
+          </a:prstGeom>
+          <a:noFill/>
+          <a:ln>
+            <a:noFill/>
+          </a:ln>
+        </p:spPr>
+        <p:txBody>
+          <a:bodyPr spcFirstLastPara="1" wrap="square" lIns="91425" tIns="91425" rIns="91425" bIns="91425" anchor="t" anchorCtr="0">
+            <a:noAutofit/>
+          </a:bodyPr>
+          <a:lstStyle/>
+          <a:p>
+            <a:pPr marL="0" lvl="0" indent="0" algn="l" rtl="0">
+              <a:lnSpc>
+                <a:spcPct val="100000"/>
+              </a:lnSpc>
+              <a:spcBef>
+                <a:spcPts val="0"/>
+              </a:spcBef>
+              <a:spcAft>
+                <a:spcPts val="0"/>
+              </a:spcAft>
+              <a:buSzPts val="1100"/>
+              <a:buNone/>
+            </a:pPr>
+            <a:endParaRPr/>
+          </a:p>
+        </p:txBody>
+      </p:sp>
+    </p:spTree>
+  </p:cSld>
+  <p:clrMapOvr>
+    <a:masterClrMapping/>
+  </p:clrMapOvr>
+</p:notes>
+</file>
+
 <file path=ppt/notesSlides/notesSlide2.xml><?xml version="1.0" encoding="utf-8"?>
 <p:notes xmlns:a="http://schemas.openxmlformats.org/drawingml/2006/main" xmlns:r="http://schemas.openxmlformats.org/officeDocument/2006/relationships" xmlns:p="http://schemas.openxmlformats.org/presentationml/2006/main" showMasterSp="0" showMasterPhAnim="0">
   <p:cSld>
@@ -1364,6 +1619,11 @@
         </p:txBody>
       </p:sp>
     </p:spTree>
+    <p:extLst>
+      <p:ext uri="{BB962C8B-B14F-4D97-AF65-F5344CB8AC3E}">
+        <p14:creationId xmlns:p14="http://schemas.microsoft.com/office/powerpoint/2010/main" val="2835222759"/>
+      </p:ext>
+    </p:extLst>
   </p:cSld>
   <p:clrMapOvr>
     <a:masterClrMapping/>
@@ -1372,6 +1632,394 @@
 </file>
 
 <file path=ppt/notesSlides/notesSlide5.xml><?xml version="1.0" encoding="utf-8"?>
+<p:notes xmlns:a="http://schemas.openxmlformats.org/drawingml/2006/main" xmlns:r="http://schemas.openxmlformats.org/officeDocument/2006/relationships" xmlns:p="http://schemas.openxmlformats.org/presentationml/2006/main" showMasterSp="0" showMasterPhAnim="0">
+  <p:cSld>
+    <p:spTree>
+      <p:nvGrpSpPr>
+        <p:cNvPr id="1" name="Shape 81"/>
+        <p:cNvGrpSpPr/>
+        <p:nvPr/>
+      </p:nvGrpSpPr>
+      <p:grpSpPr>
+        <a:xfrm>
+          <a:off x="0" y="0"/>
+          <a:ext cx="0" cy="0"/>
+          <a:chOff x="0" y="0"/>
+          <a:chExt cx="0" cy="0"/>
+        </a:xfrm>
+      </p:grpSpPr>
+      <p:sp>
+        <p:nvSpPr>
+          <p:cNvPr id="82" name="Google Shape;82;p5:notes"/>
+          <p:cNvSpPr>
+            <a:spLocks noGrp="1" noRot="1" noChangeAspect="1"/>
+          </p:cNvSpPr>
+          <p:nvPr>
+            <p:ph type="sldImg" idx="2"/>
+          </p:nvPr>
+        </p:nvSpPr>
+        <p:spPr>
+          <a:xfrm>
+            <a:off x="381000" y="685800"/>
+            <a:ext cx="6096000" cy="3429000"/>
+          </a:xfrm>
+          <a:custGeom>
+            <a:avLst/>
+            <a:gdLst/>
+            <a:ahLst/>
+            <a:cxnLst/>
+            <a:rect l="l" t="t" r="r" b="b"/>
+            <a:pathLst>
+              <a:path w="120000" h="120000" extrusionOk="0">
+                <a:moveTo>
+                  <a:pt x="0" y="0"/>
+                </a:moveTo>
+                <a:lnTo>
+                  <a:pt x="120000" y="0"/>
+                </a:lnTo>
+                <a:lnTo>
+                  <a:pt x="120000" y="120000"/>
+                </a:lnTo>
+                <a:lnTo>
+                  <a:pt x="0" y="120000"/>
+                </a:lnTo>
+                <a:close/>
+              </a:path>
+            </a:pathLst>
+          </a:custGeom>
+          <a:noFill/>
+          <a:ln w="9525" cap="flat" cmpd="sng">
+            <a:solidFill>
+              <a:srgbClr val="000000"/>
+            </a:solidFill>
+            <a:prstDash val="solid"/>
+            <a:round/>
+            <a:headEnd type="none" w="sm" len="sm"/>
+            <a:tailEnd type="none" w="sm" len="sm"/>
+          </a:ln>
+        </p:spPr>
+      </p:sp>
+      <p:sp>
+        <p:nvSpPr>
+          <p:cNvPr id="83" name="Google Shape;83;p5:notes"/>
+          <p:cNvSpPr txBox="1">
+            <a:spLocks noGrp="1"/>
+          </p:cNvSpPr>
+          <p:nvPr>
+            <p:ph type="body" idx="1"/>
+          </p:nvPr>
+        </p:nvSpPr>
+        <p:spPr>
+          <a:xfrm>
+            <a:off x="685800" y="4343400"/>
+            <a:ext cx="5486400" cy="4114800"/>
+          </a:xfrm>
+          <a:prstGeom prst="rect">
+            <a:avLst/>
+          </a:prstGeom>
+          <a:noFill/>
+          <a:ln>
+            <a:noFill/>
+          </a:ln>
+        </p:spPr>
+        <p:txBody>
+          <a:bodyPr spcFirstLastPara="1" wrap="square" lIns="91425" tIns="91425" rIns="91425" bIns="91425" anchor="t" anchorCtr="0">
+            <a:noAutofit/>
+          </a:bodyPr>
+          <a:lstStyle/>
+          <a:p>
+            <a:pPr marL="457200" marR="0" lvl="0" indent="-228600" algn="l" rtl="0">
+              <a:lnSpc>
+                <a:spcPct val="100000"/>
+              </a:lnSpc>
+              <a:spcBef>
+                <a:spcPts val="0"/>
+              </a:spcBef>
+              <a:spcAft>
+                <a:spcPts val="0"/>
+              </a:spcAft>
+              <a:buClr>
+                <a:srgbClr val="000000"/>
+              </a:buClr>
+              <a:buSzPts val="1100"/>
+              <a:buFont typeface="Arial"/>
+              <a:buNone/>
+            </a:pPr>
+            <a:endParaRPr/>
+          </a:p>
+        </p:txBody>
+      </p:sp>
+    </p:spTree>
+    <p:extLst>
+      <p:ext uri="{BB962C8B-B14F-4D97-AF65-F5344CB8AC3E}">
+        <p14:creationId xmlns:p14="http://schemas.microsoft.com/office/powerpoint/2010/main" val="9976812"/>
+      </p:ext>
+    </p:extLst>
+  </p:cSld>
+  <p:clrMapOvr>
+    <a:masterClrMapping/>
+  </p:clrMapOvr>
+</p:notes>
+</file>
+
+<file path=ppt/notesSlides/notesSlide6.xml><?xml version="1.0" encoding="utf-8"?>
+<p:notes xmlns:a="http://schemas.openxmlformats.org/drawingml/2006/main" xmlns:r="http://schemas.openxmlformats.org/officeDocument/2006/relationships" xmlns:p="http://schemas.openxmlformats.org/presentationml/2006/main" showMasterSp="0" showMasterPhAnim="0">
+  <p:cSld>
+    <p:spTree>
+      <p:nvGrpSpPr>
+        <p:cNvPr id="1" name="Shape 81"/>
+        <p:cNvGrpSpPr/>
+        <p:nvPr/>
+      </p:nvGrpSpPr>
+      <p:grpSpPr>
+        <a:xfrm>
+          <a:off x="0" y="0"/>
+          <a:ext cx="0" cy="0"/>
+          <a:chOff x="0" y="0"/>
+          <a:chExt cx="0" cy="0"/>
+        </a:xfrm>
+      </p:grpSpPr>
+      <p:sp>
+        <p:nvSpPr>
+          <p:cNvPr id="82" name="Google Shape;82;p5:notes"/>
+          <p:cNvSpPr>
+            <a:spLocks noGrp="1" noRot="1" noChangeAspect="1"/>
+          </p:cNvSpPr>
+          <p:nvPr>
+            <p:ph type="sldImg" idx="2"/>
+          </p:nvPr>
+        </p:nvSpPr>
+        <p:spPr>
+          <a:xfrm>
+            <a:off x="381000" y="685800"/>
+            <a:ext cx="6096000" cy="3429000"/>
+          </a:xfrm>
+          <a:custGeom>
+            <a:avLst/>
+            <a:gdLst/>
+            <a:ahLst/>
+            <a:cxnLst/>
+            <a:rect l="l" t="t" r="r" b="b"/>
+            <a:pathLst>
+              <a:path w="120000" h="120000" extrusionOk="0">
+                <a:moveTo>
+                  <a:pt x="0" y="0"/>
+                </a:moveTo>
+                <a:lnTo>
+                  <a:pt x="120000" y="0"/>
+                </a:lnTo>
+                <a:lnTo>
+                  <a:pt x="120000" y="120000"/>
+                </a:lnTo>
+                <a:lnTo>
+                  <a:pt x="0" y="120000"/>
+                </a:lnTo>
+                <a:close/>
+              </a:path>
+            </a:pathLst>
+          </a:custGeom>
+          <a:noFill/>
+          <a:ln w="9525" cap="flat" cmpd="sng">
+            <a:solidFill>
+              <a:srgbClr val="000000"/>
+            </a:solidFill>
+            <a:prstDash val="solid"/>
+            <a:round/>
+            <a:headEnd type="none" w="sm" len="sm"/>
+            <a:tailEnd type="none" w="sm" len="sm"/>
+          </a:ln>
+        </p:spPr>
+      </p:sp>
+      <p:sp>
+        <p:nvSpPr>
+          <p:cNvPr id="83" name="Google Shape;83;p5:notes"/>
+          <p:cNvSpPr txBox="1">
+            <a:spLocks noGrp="1"/>
+          </p:cNvSpPr>
+          <p:nvPr>
+            <p:ph type="body" idx="1"/>
+          </p:nvPr>
+        </p:nvSpPr>
+        <p:spPr>
+          <a:xfrm>
+            <a:off x="685800" y="4343400"/>
+            <a:ext cx="5486400" cy="4114800"/>
+          </a:xfrm>
+          <a:prstGeom prst="rect">
+            <a:avLst/>
+          </a:prstGeom>
+          <a:noFill/>
+          <a:ln>
+            <a:noFill/>
+          </a:ln>
+        </p:spPr>
+        <p:txBody>
+          <a:bodyPr spcFirstLastPara="1" wrap="square" lIns="91425" tIns="91425" rIns="91425" bIns="91425" anchor="t" anchorCtr="0">
+            <a:noAutofit/>
+          </a:bodyPr>
+          <a:lstStyle/>
+          <a:p>
+            <a:pPr marL="457200" marR="0" lvl="0" indent="-228600" algn="l" rtl="0">
+              <a:lnSpc>
+                <a:spcPct val="100000"/>
+              </a:lnSpc>
+              <a:spcBef>
+                <a:spcPts val="0"/>
+              </a:spcBef>
+              <a:spcAft>
+                <a:spcPts val="0"/>
+              </a:spcAft>
+              <a:buClr>
+                <a:srgbClr val="000000"/>
+              </a:buClr>
+              <a:buSzPts val="1100"/>
+              <a:buFont typeface="Arial"/>
+              <a:buNone/>
+            </a:pPr>
+            <a:endParaRPr/>
+          </a:p>
+        </p:txBody>
+      </p:sp>
+    </p:spTree>
+    <p:extLst>
+      <p:ext uri="{BB962C8B-B14F-4D97-AF65-F5344CB8AC3E}">
+        <p14:creationId xmlns:p14="http://schemas.microsoft.com/office/powerpoint/2010/main" val="3743204827"/>
+      </p:ext>
+    </p:extLst>
+  </p:cSld>
+  <p:clrMapOvr>
+    <a:masterClrMapping/>
+  </p:clrMapOvr>
+</p:notes>
+</file>
+
+<file path=ppt/notesSlides/notesSlide7.xml><?xml version="1.0" encoding="utf-8"?>
+<p:notes xmlns:a="http://schemas.openxmlformats.org/drawingml/2006/main" xmlns:r="http://schemas.openxmlformats.org/officeDocument/2006/relationships" xmlns:p="http://schemas.openxmlformats.org/presentationml/2006/main" showMasterSp="0" showMasterPhAnim="0">
+  <p:cSld>
+    <p:spTree>
+      <p:nvGrpSpPr>
+        <p:cNvPr id="1" name="Shape 81"/>
+        <p:cNvGrpSpPr/>
+        <p:nvPr/>
+      </p:nvGrpSpPr>
+      <p:grpSpPr>
+        <a:xfrm>
+          <a:off x="0" y="0"/>
+          <a:ext cx="0" cy="0"/>
+          <a:chOff x="0" y="0"/>
+          <a:chExt cx="0" cy="0"/>
+        </a:xfrm>
+      </p:grpSpPr>
+      <p:sp>
+        <p:nvSpPr>
+          <p:cNvPr id="82" name="Google Shape;82;p5:notes"/>
+          <p:cNvSpPr>
+            <a:spLocks noGrp="1" noRot="1" noChangeAspect="1"/>
+          </p:cNvSpPr>
+          <p:nvPr>
+            <p:ph type="sldImg" idx="2"/>
+          </p:nvPr>
+        </p:nvSpPr>
+        <p:spPr>
+          <a:xfrm>
+            <a:off x="381000" y="685800"/>
+            <a:ext cx="6096000" cy="3429000"/>
+          </a:xfrm>
+          <a:custGeom>
+            <a:avLst/>
+            <a:gdLst/>
+            <a:ahLst/>
+            <a:cxnLst/>
+            <a:rect l="l" t="t" r="r" b="b"/>
+            <a:pathLst>
+              <a:path w="120000" h="120000" extrusionOk="0">
+                <a:moveTo>
+                  <a:pt x="0" y="0"/>
+                </a:moveTo>
+                <a:lnTo>
+                  <a:pt x="120000" y="0"/>
+                </a:lnTo>
+                <a:lnTo>
+                  <a:pt x="120000" y="120000"/>
+                </a:lnTo>
+                <a:lnTo>
+                  <a:pt x="0" y="120000"/>
+                </a:lnTo>
+                <a:close/>
+              </a:path>
+            </a:pathLst>
+          </a:custGeom>
+          <a:noFill/>
+          <a:ln w="9525" cap="flat" cmpd="sng">
+            <a:solidFill>
+              <a:srgbClr val="000000"/>
+            </a:solidFill>
+            <a:prstDash val="solid"/>
+            <a:round/>
+            <a:headEnd type="none" w="sm" len="sm"/>
+            <a:tailEnd type="none" w="sm" len="sm"/>
+          </a:ln>
+        </p:spPr>
+      </p:sp>
+      <p:sp>
+        <p:nvSpPr>
+          <p:cNvPr id="83" name="Google Shape;83;p5:notes"/>
+          <p:cNvSpPr txBox="1">
+            <a:spLocks noGrp="1"/>
+          </p:cNvSpPr>
+          <p:nvPr>
+            <p:ph type="body" idx="1"/>
+          </p:nvPr>
+        </p:nvSpPr>
+        <p:spPr>
+          <a:xfrm>
+            <a:off x="685800" y="4343400"/>
+            <a:ext cx="5486400" cy="4114800"/>
+          </a:xfrm>
+          <a:prstGeom prst="rect">
+            <a:avLst/>
+          </a:prstGeom>
+          <a:noFill/>
+          <a:ln>
+            <a:noFill/>
+          </a:ln>
+        </p:spPr>
+        <p:txBody>
+          <a:bodyPr spcFirstLastPara="1" wrap="square" lIns="91425" tIns="91425" rIns="91425" bIns="91425" anchor="t" anchorCtr="0">
+            <a:noAutofit/>
+          </a:bodyPr>
+          <a:lstStyle/>
+          <a:p>
+            <a:pPr marL="457200" marR="0" lvl="0" indent="-228600" algn="l" rtl="0">
+              <a:lnSpc>
+                <a:spcPct val="100000"/>
+              </a:lnSpc>
+              <a:spcBef>
+                <a:spcPts val="0"/>
+              </a:spcBef>
+              <a:spcAft>
+                <a:spcPts val="0"/>
+              </a:spcAft>
+              <a:buClr>
+                <a:srgbClr val="000000"/>
+              </a:buClr>
+              <a:buSzPts val="1100"/>
+              <a:buFont typeface="Arial"/>
+              <a:buNone/>
+            </a:pPr>
+            <a:endParaRPr/>
+          </a:p>
+        </p:txBody>
+      </p:sp>
+    </p:spTree>
+  </p:cSld>
+  <p:clrMapOvr>
+    <a:masterClrMapping/>
+  </p:clrMapOvr>
+</p:notes>
+</file>
+
+<file path=ppt/notesSlides/notesSlide8.xml><?xml version="1.0" encoding="utf-8"?>
 <p:notes xmlns:a="http://schemas.openxmlformats.org/drawingml/2006/main" xmlns:r="http://schemas.openxmlformats.org/officeDocument/2006/relationships" xmlns:p="http://schemas.openxmlformats.org/presentationml/2006/main" showMasterSp="0" showMasterPhAnim="0">
   <p:cSld>
     <p:spTree>
@@ -1497,7 +2145,7 @@
 </p:notes>
 </file>
 
-<file path=ppt/notesSlides/notesSlide6.xml><?xml version="1.0" encoding="utf-8"?>
+<file path=ppt/notesSlides/notesSlide9.xml><?xml version="1.0" encoding="utf-8"?>
 <p:notes xmlns:a="http://schemas.openxmlformats.org/drawingml/2006/main" xmlns:r="http://schemas.openxmlformats.org/officeDocument/2006/relationships" xmlns:p="http://schemas.openxmlformats.org/presentationml/2006/main" showMasterSp="0" showMasterPhAnim="0">
   <p:cSld>
     <p:spTree>
@@ -1609,390 +2257,6 @@
               </a:buClr>
               <a:buSzPts val="1100"/>
               <a:buFont typeface="Arial"/>
-              <a:buNone/>
-            </a:pPr>
-            <a:endParaRPr/>
-          </a:p>
-        </p:txBody>
-      </p:sp>
-    </p:spTree>
-  </p:cSld>
-  <p:clrMapOvr>
-    <a:masterClrMapping/>
-  </p:clrMapOvr>
-</p:notes>
-</file>
-
-<file path=ppt/notesSlides/notesSlide7.xml><?xml version="1.0" encoding="utf-8"?>
-<p:notes xmlns:a="http://schemas.openxmlformats.org/drawingml/2006/main" xmlns:r="http://schemas.openxmlformats.org/officeDocument/2006/relationships" xmlns:p="http://schemas.openxmlformats.org/presentationml/2006/main" showMasterSp="0" showMasterPhAnim="0">
-  <p:cSld>
-    <p:spTree>
-      <p:nvGrpSpPr>
-        <p:cNvPr id="1" name="Shape 98"/>
-        <p:cNvGrpSpPr/>
-        <p:nvPr/>
-      </p:nvGrpSpPr>
-      <p:grpSpPr>
-        <a:xfrm>
-          <a:off x="0" y="0"/>
-          <a:ext cx="0" cy="0"/>
-          <a:chOff x="0" y="0"/>
-          <a:chExt cx="0" cy="0"/>
-        </a:xfrm>
-      </p:grpSpPr>
-      <p:sp>
-        <p:nvSpPr>
-          <p:cNvPr id="99" name="Google Shape;99;p7:notes"/>
-          <p:cNvSpPr>
-            <a:spLocks noGrp="1" noRot="1" noChangeAspect="1"/>
-          </p:cNvSpPr>
-          <p:nvPr>
-            <p:ph type="sldImg" idx="2"/>
-          </p:nvPr>
-        </p:nvSpPr>
-        <p:spPr>
-          <a:xfrm>
-            <a:off x="381000" y="685800"/>
-            <a:ext cx="6096000" cy="3429000"/>
-          </a:xfrm>
-          <a:custGeom>
-            <a:avLst/>
-            <a:gdLst/>
-            <a:ahLst/>
-            <a:cxnLst/>
-            <a:rect l="l" t="t" r="r" b="b"/>
-            <a:pathLst>
-              <a:path w="120000" h="120000" extrusionOk="0">
-                <a:moveTo>
-                  <a:pt x="0" y="0"/>
-                </a:moveTo>
-                <a:lnTo>
-                  <a:pt x="120000" y="0"/>
-                </a:lnTo>
-                <a:lnTo>
-                  <a:pt x="120000" y="120000"/>
-                </a:lnTo>
-                <a:lnTo>
-                  <a:pt x="0" y="120000"/>
-                </a:lnTo>
-                <a:close/>
-              </a:path>
-            </a:pathLst>
-          </a:custGeom>
-          <a:noFill/>
-          <a:ln w="9525" cap="flat" cmpd="sng">
-            <a:solidFill>
-              <a:srgbClr val="000000"/>
-            </a:solidFill>
-            <a:prstDash val="solid"/>
-            <a:round/>
-            <a:headEnd type="none" w="sm" len="sm"/>
-            <a:tailEnd type="none" w="sm" len="sm"/>
-          </a:ln>
-        </p:spPr>
-      </p:sp>
-      <p:sp>
-        <p:nvSpPr>
-          <p:cNvPr id="100" name="Google Shape;100;p7:notes"/>
-          <p:cNvSpPr txBox="1">
-            <a:spLocks noGrp="1"/>
-          </p:cNvSpPr>
-          <p:nvPr>
-            <p:ph type="body" idx="1"/>
-          </p:nvPr>
-        </p:nvSpPr>
-        <p:spPr>
-          <a:xfrm>
-            <a:off x="685800" y="4343400"/>
-            <a:ext cx="5486400" cy="4114800"/>
-          </a:xfrm>
-          <a:prstGeom prst="rect">
-            <a:avLst/>
-          </a:prstGeom>
-          <a:noFill/>
-          <a:ln>
-            <a:noFill/>
-          </a:ln>
-        </p:spPr>
-        <p:txBody>
-          <a:bodyPr spcFirstLastPara="1" wrap="square" lIns="91425" tIns="91425" rIns="91425" bIns="91425" anchor="t" anchorCtr="0">
-            <a:noAutofit/>
-          </a:bodyPr>
-          <a:lstStyle/>
-          <a:p>
-            <a:pPr marL="457200" marR="0" lvl="0" indent="-228600" algn="l" rtl="0">
-              <a:lnSpc>
-                <a:spcPct val="100000"/>
-              </a:lnSpc>
-              <a:spcBef>
-                <a:spcPts val="0"/>
-              </a:spcBef>
-              <a:spcAft>
-                <a:spcPts val="0"/>
-              </a:spcAft>
-              <a:buClr>
-                <a:srgbClr val="000000"/>
-              </a:buClr>
-              <a:buSzPts val="1100"/>
-              <a:buFont typeface="Arial"/>
-              <a:buNone/>
-            </a:pPr>
-            <a:endParaRPr/>
-          </a:p>
-        </p:txBody>
-      </p:sp>
-    </p:spTree>
-    <p:extLst>
-      <p:ext uri="{BB962C8B-B14F-4D97-AF65-F5344CB8AC3E}">
-        <p14:creationId xmlns:p14="http://schemas.microsoft.com/office/powerpoint/2010/main" val="2812741354"/>
-      </p:ext>
-    </p:extLst>
-  </p:cSld>
-  <p:clrMapOvr>
-    <a:masterClrMapping/>
-  </p:clrMapOvr>
-</p:notes>
-</file>
-
-<file path=ppt/notesSlides/notesSlide8.xml><?xml version="1.0" encoding="utf-8"?>
-<p:notes xmlns:a="http://schemas.openxmlformats.org/drawingml/2006/main" xmlns:r="http://schemas.openxmlformats.org/officeDocument/2006/relationships" xmlns:p="http://schemas.openxmlformats.org/presentationml/2006/main" showMasterSp="0" showMasterPhAnim="0">
-  <p:cSld>
-    <p:spTree>
-      <p:nvGrpSpPr>
-        <p:cNvPr id="1" name="Shape 98"/>
-        <p:cNvGrpSpPr/>
-        <p:nvPr/>
-      </p:nvGrpSpPr>
-      <p:grpSpPr>
-        <a:xfrm>
-          <a:off x="0" y="0"/>
-          <a:ext cx="0" cy="0"/>
-          <a:chOff x="0" y="0"/>
-          <a:chExt cx="0" cy="0"/>
-        </a:xfrm>
-      </p:grpSpPr>
-      <p:sp>
-        <p:nvSpPr>
-          <p:cNvPr id="99" name="Google Shape;99;p7:notes"/>
-          <p:cNvSpPr>
-            <a:spLocks noGrp="1" noRot="1" noChangeAspect="1"/>
-          </p:cNvSpPr>
-          <p:nvPr>
-            <p:ph type="sldImg" idx="2"/>
-          </p:nvPr>
-        </p:nvSpPr>
-        <p:spPr>
-          <a:xfrm>
-            <a:off x="381000" y="685800"/>
-            <a:ext cx="6096000" cy="3429000"/>
-          </a:xfrm>
-          <a:custGeom>
-            <a:avLst/>
-            <a:gdLst/>
-            <a:ahLst/>
-            <a:cxnLst/>
-            <a:rect l="l" t="t" r="r" b="b"/>
-            <a:pathLst>
-              <a:path w="120000" h="120000" extrusionOk="0">
-                <a:moveTo>
-                  <a:pt x="0" y="0"/>
-                </a:moveTo>
-                <a:lnTo>
-                  <a:pt x="120000" y="0"/>
-                </a:lnTo>
-                <a:lnTo>
-                  <a:pt x="120000" y="120000"/>
-                </a:lnTo>
-                <a:lnTo>
-                  <a:pt x="0" y="120000"/>
-                </a:lnTo>
-                <a:close/>
-              </a:path>
-            </a:pathLst>
-          </a:custGeom>
-          <a:noFill/>
-          <a:ln w="9525" cap="flat" cmpd="sng">
-            <a:solidFill>
-              <a:srgbClr val="000000"/>
-            </a:solidFill>
-            <a:prstDash val="solid"/>
-            <a:round/>
-            <a:headEnd type="none" w="sm" len="sm"/>
-            <a:tailEnd type="none" w="sm" len="sm"/>
-          </a:ln>
-        </p:spPr>
-      </p:sp>
-      <p:sp>
-        <p:nvSpPr>
-          <p:cNvPr id="100" name="Google Shape;100;p7:notes"/>
-          <p:cNvSpPr txBox="1">
-            <a:spLocks noGrp="1"/>
-          </p:cNvSpPr>
-          <p:nvPr>
-            <p:ph type="body" idx="1"/>
-          </p:nvPr>
-        </p:nvSpPr>
-        <p:spPr>
-          <a:xfrm>
-            <a:off x="685800" y="4343400"/>
-            <a:ext cx="5486400" cy="4114800"/>
-          </a:xfrm>
-          <a:prstGeom prst="rect">
-            <a:avLst/>
-          </a:prstGeom>
-          <a:noFill/>
-          <a:ln>
-            <a:noFill/>
-          </a:ln>
-        </p:spPr>
-        <p:txBody>
-          <a:bodyPr spcFirstLastPara="1" wrap="square" lIns="91425" tIns="91425" rIns="91425" bIns="91425" anchor="t" anchorCtr="0">
-            <a:noAutofit/>
-          </a:bodyPr>
-          <a:lstStyle/>
-          <a:p>
-            <a:pPr marL="457200" marR="0" lvl="0" indent="-228600" algn="l" rtl="0">
-              <a:lnSpc>
-                <a:spcPct val="100000"/>
-              </a:lnSpc>
-              <a:spcBef>
-                <a:spcPts val="0"/>
-              </a:spcBef>
-              <a:spcAft>
-                <a:spcPts val="0"/>
-              </a:spcAft>
-              <a:buClr>
-                <a:srgbClr val="000000"/>
-              </a:buClr>
-              <a:buSzPts val="1100"/>
-              <a:buFont typeface="Arial"/>
-              <a:buNone/>
-            </a:pPr>
-            <a:endParaRPr/>
-          </a:p>
-        </p:txBody>
-      </p:sp>
-    </p:spTree>
-    <p:extLst>
-      <p:ext uri="{BB962C8B-B14F-4D97-AF65-F5344CB8AC3E}">
-        <p14:creationId xmlns:p14="http://schemas.microsoft.com/office/powerpoint/2010/main" val="3016978322"/>
-      </p:ext>
-    </p:extLst>
-  </p:cSld>
-  <p:clrMapOvr>
-    <a:masterClrMapping/>
-  </p:clrMapOvr>
-</p:notes>
-</file>
-
-<file path=ppt/notesSlides/notesSlide9.xml><?xml version="1.0" encoding="utf-8"?>
-<p:notes xmlns:a="http://schemas.openxmlformats.org/drawingml/2006/main" xmlns:r="http://schemas.openxmlformats.org/officeDocument/2006/relationships" xmlns:p="http://schemas.openxmlformats.org/presentationml/2006/main" showMasterSp="0" showMasterPhAnim="0">
-  <p:cSld>
-    <p:spTree>
-      <p:nvGrpSpPr>
-        <p:cNvPr id="1" name="Shape 131"/>
-        <p:cNvGrpSpPr/>
-        <p:nvPr/>
-      </p:nvGrpSpPr>
-      <p:grpSpPr>
-        <a:xfrm>
-          <a:off x="0" y="0"/>
-          <a:ext cx="0" cy="0"/>
-          <a:chOff x="0" y="0"/>
-          <a:chExt cx="0" cy="0"/>
-        </a:xfrm>
-      </p:grpSpPr>
-      <p:sp>
-        <p:nvSpPr>
-          <p:cNvPr id="132" name="Google Shape;132;p11:notes"/>
-          <p:cNvSpPr>
-            <a:spLocks noGrp="1" noRot="1" noChangeAspect="1"/>
-          </p:cNvSpPr>
-          <p:nvPr>
-            <p:ph type="sldImg" idx="2"/>
-          </p:nvPr>
-        </p:nvSpPr>
-        <p:spPr>
-          <a:xfrm>
-            <a:off x="381000" y="685800"/>
-            <a:ext cx="6096000" cy="3429000"/>
-          </a:xfrm>
-          <a:custGeom>
-            <a:avLst/>
-            <a:gdLst/>
-            <a:ahLst/>
-            <a:cxnLst/>
-            <a:rect l="l" t="t" r="r" b="b"/>
-            <a:pathLst>
-              <a:path w="120000" h="120000" extrusionOk="0">
-                <a:moveTo>
-                  <a:pt x="0" y="0"/>
-                </a:moveTo>
-                <a:lnTo>
-                  <a:pt x="120000" y="0"/>
-                </a:lnTo>
-                <a:lnTo>
-                  <a:pt x="120000" y="120000"/>
-                </a:lnTo>
-                <a:lnTo>
-                  <a:pt x="0" y="120000"/>
-                </a:lnTo>
-                <a:close/>
-              </a:path>
-            </a:pathLst>
-          </a:custGeom>
-          <a:noFill/>
-          <a:ln w="9525" cap="flat" cmpd="sng">
-            <a:solidFill>
-              <a:srgbClr val="000000"/>
-            </a:solidFill>
-            <a:prstDash val="solid"/>
-            <a:round/>
-            <a:headEnd type="none" w="sm" len="sm"/>
-            <a:tailEnd type="none" w="sm" len="sm"/>
-          </a:ln>
-        </p:spPr>
-      </p:sp>
-      <p:sp>
-        <p:nvSpPr>
-          <p:cNvPr id="133" name="Google Shape;133;p11:notes"/>
-          <p:cNvSpPr txBox="1">
-            <a:spLocks noGrp="1"/>
-          </p:cNvSpPr>
-          <p:nvPr>
-            <p:ph type="body" idx="1"/>
-          </p:nvPr>
-        </p:nvSpPr>
-        <p:spPr>
-          <a:xfrm>
-            <a:off x="685800" y="4343400"/>
-            <a:ext cx="5486400" cy="4114800"/>
-          </a:xfrm>
-          <a:prstGeom prst="rect">
-            <a:avLst/>
-          </a:prstGeom>
-          <a:noFill/>
-          <a:ln>
-            <a:noFill/>
-          </a:ln>
-        </p:spPr>
-        <p:txBody>
-          <a:bodyPr spcFirstLastPara="1" wrap="square" lIns="91425" tIns="91425" rIns="91425" bIns="91425" anchor="t" anchorCtr="0">
-            <a:noAutofit/>
-          </a:bodyPr>
-          <a:lstStyle/>
-          <a:p>
-            <a:pPr marL="0" lvl="0" indent="0" algn="l" rtl="0">
-              <a:lnSpc>
-                <a:spcPct val="100000"/>
-              </a:lnSpc>
-              <a:spcBef>
-                <a:spcPts val="0"/>
-              </a:spcBef>
-              <a:spcAft>
-                <a:spcPts val="0"/>
-              </a:spcAft>
-              <a:buSzPts val="1100"/>
               <a:buNone/>
             </a:pPr>
             <a:endParaRPr/>
@@ -8750,6 +9014,452 @@
 </p:sld>
 </file>
 
+<file path=ppt/slides/slide10.xml><?xml version="1.0" encoding="utf-8"?>
+<p:sld xmlns:a="http://schemas.openxmlformats.org/drawingml/2006/main" xmlns:r="http://schemas.openxmlformats.org/officeDocument/2006/relationships" xmlns:p="http://schemas.openxmlformats.org/presentationml/2006/main">
+  <p:cSld>
+    <p:spTree>
+      <p:nvGrpSpPr>
+        <p:cNvPr id="1" name="Shape 101"/>
+        <p:cNvGrpSpPr/>
+        <p:nvPr/>
+      </p:nvGrpSpPr>
+      <p:grpSpPr>
+        <a:xfrm>
+          <a:off x="0" y="0"/>
+          <a:ext cx="0" cy="0"/>
+          <a:chOff x="0" y="0"/>
+          <a:chExt cx="0" cy="0"/>
+        </a:xfrm>
+      </p:grpSpPr>
+      <p:pic>
+        <p:nvPicPr>
+          <p:cNvPr id="102" name="Google Shape;102;p7"/>
+          <p:cNvPicPr preferRelativeResize="0"/>
+          <p:nvPr/>
+        </p:nvPicPr>
+        <p:blipFill rotWithShape="1">
+          <a:blip r:embed="rId3">
+            <a:alphaModFix/>
+          </a:blip>
+          <a:srcRect/>
+          <a:stretch/>
+        </p:blipFill>
+        <p:spPr>
+          <a:xfrm>
+            <a:off x="2" y="0"/>
+            <a:ext cx="9143998" cy="5143499"/>
+          </a:xfrm>
+          <a:prstGeom prst="rect">
+            <a:avLst/>
+          </a:prstGeom>
+          <a:noFill/>
+          <a:ln>
+            <a:noFill/>
+          </a:ln>
+        </p:spPr>
+      </p:pic>
+      <p:sp>
+        <p:nvSpPr>
+          <p:cNvPr id="103" name="Google Shape;103;p7"/>
+          <p:cNvSpPr txBox="1"/>
+          <p:nvPr/>
+        </p:nvSpPr>
+        <p:spPr>
+          <a:xfrm>
+            <a:off x="361190" y="481586"/>
+            <a:ext cx="8187600" cy="615523"/>
+          </a:xfrm>
+          <a:prstGeom prst="rect">
+            <a:avLst/>
+          </a:prstGeom>
+          <a:noFill/>
+          <a:ln>
+            <a:noFill/>
+          </a:ln>
+        </p:spPr>
+        <p:txBody>
+          <a:bodyPr spcFirstLastPara="1" wrap="square" lIns="91425" tIns="91425" rIns="91425" bIns="91425" anchor="t" anchorCtr="0">
+            <a:spAutoFit/>
+          </a:bodyPr>
+          <a:lstStyle/>
+          <a:p>
+            <a:pPr marL="0" marR="0" lvl="0" indent="0" algn="l" rtl="0">
+              <a:lnSpc>
+                <a:spcPct val="100000"/>
+              </a:lnSpc>
+              <a:spcBef>
+                <a:spcPts val="0"/>
+              </a:spcBef>
+              <a:spcAft>
+                <a:spcPts val="0"/>
+              </a:spcAft>
+              <a:buNone/>
+            </a:pPr>
+            <a:r>
+              <a:rPr lang="en-US" sz="2800" b="1" dirty="0">
+                <a:solidFill>
+                  <a:srgbClr val="FFFFFF"/>
+                </a:solidFill>
+                <a:latin typeface="Roboto"/>
+                <a:ea typeface="Roboto"/>
+                <a:sym typeface="Roboto"/>
+              </a:rPr>
+              <a:t>New Customer Activation: Gender Analysis</a:t>
+            </a:r>
+            <a:endParaRPr dirty="0"/>
+          </a:p>
+        </p:txBody>
+      </p:sp>
+      <p:sp>
+        <p:nvSpPr>
+          <p:cNvPr id="105" name="Google Shape;105;p7"/>
+          <p:cNvSpPr/>
+          <p:nvPr/>
+        </p:nvSpPr>
+        <p:spPr>
+          <a:xfrm>
+            <a:off x="4689011" y="1097109"/>
+            <a:ext cx="3791801" cy="2464626"/>
+          </a:xfrm>
+          <a:prstGeom prst="rect">
+            <a:avLst/>
+          </a:prstGeom>
+          <a:noFill/>
+          <a:ln w="9525" cap="flat" cmpd="sng">
+            <a:solidFill>
+              <a:srgbClr val="F2F2F2">
+                <a:alpha val="60000"/>
+              </a:srgbClr>
+            </a:solidFill>
+            <a:prstDash val="solid"/>
+            <a:round/>
+            <a:headEnd type="none" w="sm" len="sm"/>
+            <a:tailEnd type="none" w="sm" len="sm"/>
+          </a:ln>
+        </p:spPr>
+        <p:txBody>
+          <a:bodyPr spcFirstLastPara="1" wrap="square" lIns="91425" tIns="45700" rIns="91425" bIns="45700" anchor="t" anchorCtr="0">
+            <a:noAutofit/>
+          </a:bodyPr>
+          <a:lstStyle/>
+          <a:p>
+            <a:pPr marL="0" marR="0" lvl="0" indent="0" algn="l" rtl="0">
+              <a:lnSpc>
+                <a:spcPct val="100000"/>
+              </a:lnSpc>
+              <a:spcBef>
+                <a:spcPts val="0"/>
+              </a:spcBef>
+              <a:spcAft>
+                <a:spcPts val="0"/>
+              </a:spcAft>
+              <a:buNone/>
+            </a:pPr>
+            <a:r>
+              <a:rPr lang="en-US" sz="1400" b="0" i="0" u="none" strike="noStrike" cap="none" dirty="0">
+                <a:solidFill>
+                  <a:schemeClr val="lt1"/>
+                </a:solidFill>
+                <a:latin typeface="Roboto"/>
+                <a:ea typeface="Roboto"/>
+                <a:cs typeface="Roboto"/>
+                <a:sym typeface="Roboto"/>
+              </a:rPr>
+              <a:t>Key Findings :</a:t>
+            </a:r>
+          </a:p>
+          <a:p>
+            <a:pPr marL="666900" marR="0" lvl="2" indent="-342900" algn="l" rtl="0">
+              <a:lnSpc>
+                <a:spcPct val="100000"/>
+              </a:lnSpc>
+              <a:spcBef>
+                <a:spcPts val="0"/>
+              </a:spcBef>
+              <a:spcAft>
+                <a:spcPts val="0"/>
+              </a:spcAft>
+              <a:buClr>
+                <a:schemeClr val="bg1"/>
+              </a:buClr>
+              <a:buSzPts val="1400"/>
+              <a:buFont typeface="+mj-lt"/>
+              <a:buAutoNum type="arabicPeriod"/>
+            </a:pPr>
+            <a:r>
+              <a:rPr lang="en-US" dirty="0">
+                <a:solidFill>
+                  <a:schemeClr val="bg1"/>
+                </a:solidFill>
+              </a:rPr>
+              <a:t>39 years is the average age of customers activated during the analysis period</a:t>
+            </a:r>
+          </a:p>
+          <a:p>
+            <a:pPr marL="666900" marR="0" lvl="2" indent="-342900" algn="l" rtl="0">
+              <a:lnSpc>
+                <a:spcPct val="100000"/>
+              </a:lnSpc>
+              <a:spcBef>
+                <a:spcPts val="0"/>
+              </a:spcBef>
+              <a:spcAft>
+                <a:spcPts val="0"/>
+              </a:spcAft>
+              <a:buClr>
+                <a:schemeClr val="bg1"/>
+              </a:buClr>
+              <a:buSzPts val="1400"/>
+              <a:buFont typeface="+mj-lt"/>
+              <a:buAutoNum type="arabicPeriod"/>
+            </a:pPr>
+            <a:r>
+              <a:rPr lang="en-US" dirty="0">
+                <a:solidFill>
+                  <a:schemeClr val="bg1"/>
+                </a:solidFill>
+              </a:rPr>
+              <a:t>Average age of male customers newly activated is between 20-25 years</a:t>
+            </a:r>
+          </a:p>
+          <a:p>
+            <a:pPr marL="666900" marR="0" lvl="2" indent="-342900" algn="l" rtl="0">
+              <a:lnSpc>
+                <a:spcPct val="100000"/>
+              </a:lnSpc>
+              <a:spcBef>
+                <a:spcPts val="0"/>
+              </a:spcBef>
+              <a:spcAft>
+                <a:spcPts val="0"/>
+              </a:spcAft>
+              <a:buClr>
+                <a:schemeClr val="bg1"/>
+              </a:buClr>
+              <a:buSzPts val="1400"/>
+              <a:buFont typeface="+mj-lt"/>
+              <a:buAutoNum type="arabicPeriod"/>
+            </a:pPr>
+            <a:r>
+              <a:rPr lang="en-US" dirty="0">
+                <a:solidFill>
+                  <a:schemeClr val="bg1"/>
+                </a:solidFill>
+              </a:rPr>
+              <a:t>Average age of female customers newly activated shows 40-42 years of age</a:t>
+            </a:r>
+            <a:endParaRPr dirty="0">
+              <a:solidFill>
+                <a:schemeClr val="bg1"/>
+              </a:solidFill>
+            </a:endParaRPr>
+          </a:p>
+        </p:txBody>
+      </p:sp>
+      <p:pic>
+        <p:nvPicPr>
+          <p:cNvPr id="1028" name="Picture 4" descr="Search in sidebar query">
+            <a:extLst>
+              <a:ext uri="{FF2B5EF4-FFF2-40B4-BE49-F238E27FC236}">
+                <a16:creationId xmlns:a16="http://schemas.microsoft.com/office/drawing/2014/main" id="{F1366141-B9A6-7D49-F320-21A99C9BC9EA}"/>
+              </a:ext>
+            </a:extLst>
+          </p:cNvPr>
+          <p:cNvPicPr>
+            <a:picLocks noChangeAspect="1" noChangeArrowheads="1"/>
+          </p:cNvPicPr>
+          <p:nvPr/>
+        </p:nvPicPr>
+        <p:blipFill>
+          <a:blip r:embed="rId4">
+            <a:extLst>
+              <a:ext uri="{28A0092B-C50C-407E-A947-70E740481C1C}">
+                <a14:useLocalDpi xmlns:a14="http://schemas.microsoft.com/office/drawing/2010/main" val="0"/>
+              </a:ext>
+            </a:extLst>
+          </a:blip>
+          <a:srcRect/>
+          <a:stretch>
+            <a:fillRect/>
+          </a:stretch>
+        </p:blipFill>
+        <p:spPr bwMode="auto">
+          <a:xfrm>
+            <a:off x="361190" y="1097109"/>
+            <a:ext cx="4093800" cy="2837502"/>
+          </a:xfrm>
+          <a:prstGeom prst="rect">
+            <a:avLst/>
+          </a:prstGeom>
+          <a:noFill/>
+          <a:extLst>
+            <a:ext uri="{909E8E84-426E-40DD-AFC4-6F175D3DCCD1}">
+              <a14:hiddenFill xmlns:a14="http://schemas.microsoft.com/office/drawing/2010/main">
+                <a:solidFill>
+                  <a:srgbClr val="FFFFFF"/>
+                </a:solidFill>
+              </a14:hiddenFill>
+            </a:ext>
+          </a:extLst>
+        </p:spPr>
+      </p:pic>
+    </p:spTree>
+    <p:extLst>
+      <p:ext uri="{BB962C8B-B14F-4D97-AF65-F5344CB8AC3E}">
+        <p14:creationId xmlns:p14="http://schemas.microsoft.com/office/powerpoint/2010/main" val="4103089545"/>
+      </p:ext>
+    </p:extLst>
+  </p:cSld>
+  <p:clrMapOvr>
+    <a:masterClrMapping/>
+  </p:clrMapOvr>
+</p:sld>
+</file>
+
+<file path=ppt/slides/slide11.xml><?xml version="1.0" encoding="utf-8"?>
+<p:sld xmlns:a="http://schemas.openxmlformats.org/drawingml/2006/main" xmlns:r="http://schemas.openxmlformats.org/officeDocument/2006/relationships" xmlns:p="http://schemas.openxmlformats.org/presentationml/2006/main">
+  <p:cSld>
+    <p:spTree>
+      <p:nvGrpSpPr>
+        <p:cNvPr id="1" name="Shape 134"/>
+        <p:cNvGrpSpPr/>
+        <p:nvPr/>
+      </p:nvGrpSpPr>
+      <p:grpSpPr>
+        <a:xfrm>
+          <a:off x="0" y="0"/>
+          <a:ext cx="0" cy="0"/>
+          <a:chOff x="0" y="0"/>
+          <a:chExt cx="0" cy="0"/>
+        </a:xfrm>
+      </p:grpSpPr>
+      <p:sp>
+        <p:nvSpPr>
+          <p:cNvPr id="135" name="Google Shape;135;p11"/>
+          <p:cNvSpPr txBox="1">
+            <a:spLocks noGrp="1"/>
+          </p:cNvSpPr>
+          <p:nvPr>
+            <p:ph type="title"/>
+          </p:nvPr>
+        </p:nvSpPr>
+        <p:spPr>
+          <a:xfrm>
+            <a:off x="311700" y="445025"/>
+            <a:ext cx="8520600" cy="572700"/>
+          </a:xfrm>
+          <a:prstGeom prst="rect">
+            <a:avLst/>
+          </a:prstGeom>
+          <a:noFill/>
+          <a:ln>
+            <a:noFill/>
+          </a:ln>
+        </p:spPr>
+        <p:txBody>
+          <a:bodyPr spcFirstLastPara="1" wrap="square" lIns="91425" tIns="91425" rIns="91425" bIns="91425" anchor="t" anchorCtr="0">
+            <a:normAutofit fontScale="90000"/>
+          </a:bodyPr>
+          <a:lstStyle/>
+          <a:p>
+            <a:pPr marL="0" lvl="0" indent="0" algn="l" rtl="0">
+              <a:lnSpc>
+                <a:spcPct val="100000"/>
+              </a:lnSpc>
+              <a:spcBef>
+                <a:spcPts val="0"/>
+              </a:spcBef>
+              <a:spcAft>
+                <a:spcPts val="0"/>
+              </a:spcAft>
+              <a:buSzPct val="111111"/>
+              <a:buNone/>
+            </a:pPr>
+            <a:endParaRPr/>
+          </a:p>
+        </p:txBody>
+      </p:sp>
+      <p:sp>
+        <p:nvSpPr>
+          <p:cNvPr id="136" name="Google Shape;136;p11"/>
+          <p:cNvSpPr txBox="1">
+            <a:spLocks noGrp="1"/>
+          </p:cNvSpPr>
+          <p:nvPr>
+            <p:ph type="body" idx="1"/>
+          </p:nvPr>
+        </p:nvSpPr>
+        <p:spPr>
+          <a:xfrm>
+            <a:off x="311700" y="1152475"/>
+            <a:ext cx="8520600" cy="3416400"/>
+          </a:xfrm>
+          <a:prstGeom prst="rect">
+            <a:avLst/>
+          </a:prstGeom>
+          <a:noFill/>
+          <a:ln>
+            <a:noFill/>
+          </a:ln>
+        </p:spPr>
+        <p:txBody>
+          <a:bodyPr spcFirstLastPara="1" wrap="square" lIns="91425" tIns="91425" rIns="91425" bIns="91425" anchor="t" anchorCtr="0">
+            <a:normAutofit/>
+          </a:bodyPr>
+          <a:lstStyle/>
+          <a:p>
+            <a:pPr marL="0" lvl="0" indent="0" algn="l" rtl="0">
+              <a:lnSpc>
+                <a:spcPct val="115000"/>
+              </a:lnSpc>
+              <a:spcBef>
+                <a:spcPts val="0"/>
+              </a:spcBef>
+              <a:spcAft>
+                <a:spcPts val="1200"/>
+              </a:spcAft>
+              <a:buSzPts val="1800"/>
+              <a:buNone/>
+            </a:pPr>
+            <a:endParaRPr/>
+          </a:p>
+        </p:txBody>
+      </p:sp>
+      <p:pic>
+        <p:nvPicPr>
+          <p:cNvPr id="137" name="Google Shape;137;p11"/>
+          <p:cNvPicPr preferRelativeResize="0"/>
+          <p:nvPr/>
+        </p:nvPicPr>
+        <p:blipFill rotWithShape="1">
+          <a:blip r:embed="rId3">
+            <a:alphaModFix/>
+          </a:blip>
+          <a:srcRect/>
+          <a:stretch/>
+        </p:blipFill>
+        <p:spPr>
+          <a:xfrm>
+            <a:off x="0" y="0"/>
+            <a:ext cx="9144000" cy="5143500"/>
+          </a:xfrm>
+          <a:prstGeom prst="rect">
+            <a:avLst/>
+          </a:prstGeom>
+          <a:noFill/>
+          <a:ln>
+            <a:noFill/>
+          </a:ln>
+        </p:spPr>
+      </p:pic>
+    </p:spTree>
+  </p:cSld>
+  <p:clrMapOvr>
+    <a:masterClrMapping/>
+  </p:clrMapOvr>
+</p:sld>
+</file>
+
 <file path=ppt/slides/slide2.xml><?xml version="1.0" encoding="utf-8"?>
 <p:sld xmlns:a="http://schemas.openxmlformats.org/drawingml/2006/main" xmlns:r="http://schemas.openxmlformats.org/officeDocument/2006/relationships" xmlns:p="http://schemas.openxmlformats.org/presentationml/2006/main">
   <p:cSld>
@@ -9024,7 +9734,7 @@
                   <a:schemeClr val="lt1"/>
                 </a:solidFill>
               </a:rPr>
-              <a:t>Data analysis of 6 months customer data to enable business in strategies to retain customers and increase customer wallet share penetration</a:t>
+              <a:t>Analysis of 6 months customer data to enable business in strategies to retain customers and increase customer wallet share penetration</a:t>
             </a:r>
             <a:endParaRPr sz="1400" b="0" i="0" u="none" strike="noStrike" cap="none" dirty="0">
               <a:solidFill>
@@ -9574,7 +10284,7 @@
         </p:blipFill>
         <p:spPr>
           <a:xfrm>
-            <a:off x="-41790" y="0"/>
+            <a:off x="2" y="1"/>
             <a:ext cx="9143998" cy="5143499"/>
           </a:xfrm>
           <a:prstGeom prst="rect">
@@ -9588,14 +10298,67 @@
       </p:pic>
       <p:sp>
         <p:nvSpPr>
-          <p:cNvPr id="74" name="Google Shape;74;p4"/>
+          <p:cNvPr id="71" name="Google Shape;71;p4"/>
+          <p:cNvSpPr txBox="1"/>
+          <p:nvPr/>
+        </p:nvSpPr>
+        <p:spPr>
+          <a:xfrm>
+            <a:off x="716400" y="417087"/>
+            <a:ext cx="8187600" cy="615523"/>
+          </a:xfrm>
+          <a:prstGeom prst="rect">
+            <a:avLst/>
+          </a:prstGeom>
+          <a:noFill/>
+          <a:ln>
+            <a:noFill/>
+          </a:ln>
+        </p:spPr>
+        <p:txBody>
+          <a:bodyPr spcFirstLastPara="1" wrap="square" lIns="91425" tIns="91425" rIns="91425" bIns="91425" anchor="t" anchorCtr="0">
+            <a:spAutoFit/>
+          </a:bodyPr>
+          <a:lstStyle/>
+          <a:p>
+            <a:pPr marL="0" marR="0" lvl="0" indent="0" algn="l" rtl="0">
+              <a:lnSpc>
+                <a:spcPct val="100000"/>
+              </a:lnSpc>
+              <a:spcBef>
+                <a:spcPts val="0"/>
+              </a:spcBef>
+              <a:spcAft>
+                <a:spcPts val="0"/>
+              </a:spcAft>
+              <a:buNone/>
+            </a:pPr>
+            <a:r>
+              <a:rPr lang="en-US" sz="2800" b="1" i="0" u="none" strike="noStrike" cap="none">
+                <a:solidFill>
+                  <a:srgbClr val="FFFFFF"/>
+                </a:solidFill>
+                <a:latin typeface="Roboto"/>
+                <a:ea typeface="Roboto"/>
+                <a:cs typeface="Roboto"/>
+                <a:sym typeface="Roboto"/>
+              </a:rPr>
+              <a:t>Analysis/ Modeling Methodology</a:t>
+            </a:r>
+            <a:endParaRPr/>
+          </a:p>
+        </p:txBody>
+      </p:sp>
+      <p:sp>
+        <p:nvSpPr>
+          <p:cNvPr id="72" name="Google Shape;72;p4"/>
           <p:cNvSpPr/>
           <p:nvPr/>
         </p:nvSpPr>
         <p:spPr>
           <a:xfrm>
-            <a:off x="4672524" y="1038522"/>
-            <a:ext cx="1983552" cy="717417"/>
+            <a:off x="120342" y="1032610"/>
+            <a:ext cx="2880000" cy="717417"/>
           </a:xfrm>
           <a:prstGeom prst="chevron">
             <a:avLst>
@@ -9636,7 +10399,7 @@
               <a:buNone/>
             </a:pPr>
             <a:r>
-              <a:rPr lang="en-US" sz="1400" b="1" i="0" u="none" strike="noStrike" cap="none" dirty="0">
+              <a:rPr lang="en-US" sz="1400" b="1" i="0" u="none" strike="noStrike" cap="none">
                 <a:solidFill>
                   <a:schemeClr val="lt1"/>
                 </a:solidFill>
@@ -9645,9 +10408,9 @@
                 <a:cs typeface="Calibri"/>
                 <a:sym typeface="Calibri"/>
               </a:rPr>
-              <a:t>Model Development</a:t>
+              <a:t>Data Preparation &amp; EDA</a:t>
             </a:r>
-            <a:endParaRPr sz="1400" b="1" i="0" u="none" strike="noStrike" cap="none" dirty="0">
+            <a:endParaRPr sz="1400" b="1" i="0" u="none" strike="noStrike" cap="none">
               <a:solidFill>
                 <a:schemeClr val="lt1"/>
               </a:solidFill>
@@ -9661,67 +10424,14 @@
       </p:sp>
       <p:sp>
         <p:nvSpPr>
-          <p:cNvPr id="71" name="Google Shape;71;p4"/>
-          <p:cNvSpPr txBox="1"/>
-          <p:nvPr/>
-        </p:nvSpPr>
-        <p:spPr>
-          <a:xfrm>
-            <a:off x="716400" y="417087"/>
-            <a:ext cx="8187600" cy="615523"/>
-          </a:xfrm>
-          <a:prstGeom prst="rect">
-            <a:avLst/>
-          </a:prstGeom>
-          <a:noFill/>
-          <a:ln>
-            <a:noFill/>
-          </a:ln>
-        </p:spPr>
-        <p:txBody>
-          <a:bodyPr spcFirstLastPara="1" wrap="square" lIns="91425" tIns="91425" rIns="91425" bIns="91425" anchor="t" anchorCtr="0">
-            <a:spAutoFit/>
-          </a:bodyPr>
-          <a:lstStyle/>
-          <a:p>
-            <a:pPr marL="0" marR="0" lvl="0" indent="0" algn="l" rtl="0">
-              <a:lnSpc>
-                <a:spcPct val="100000"/>
-              </a:lnSpc>
-              <a:spcBef>
-                <a:spcPts val="0"/>
-              </a:spcBef>
-              <a:spcAft>
-                <a:spcPts val="0"/>
-              </a:spcAft>
-              <a:buNone/>
-            </a:pPr>
-            <a:r>
-              <a:rPr lang="en-US" sz="2800" b="1" i="0" u="none" strike="noStrike" cap="none">
-                <a:solidFill>
-                  <a:srgbClr val="FFFFFF"/>
-                </a:solidFill>
-                <a:latin typeface="Roboto"/>
-                <a:ea typeface="Roboto"/>
-                <a:cs typeface="Roboto"/>
-                <a:sym typeface="Roboto"/>
-              </a:rPr>
-              <a:t>Analysis/ Modeling Methodology</a:t>
-            </a:r>
-            <a:endParaRPr/>
-          </a:p>
-        </p:txBody>
-      </p:sp>
-      <p:sp>
-        <p:nvSpPr>
-          <p:cNvPr id="72" name="Google Shape;72;p4"/>
+          <p:cNvPr id="73" name="Google Shape;73;p4"/>
           <p:cNvSpPr/>
           <p:nvPr/>
         </p:nvSpPr>
         <p:spPr>
           <a:xfrm>
-            <a:off x="504372" y="1038523"/>
-            <a:ext cx="1983552" cy="717417"/>
+            <a:off x="3140149" y="1032610"/>
+            <a:ext cx="2880000" cy="717417"/>
           </a:xfrm>
           <a:prstGeom prst="chevron">
             <a:avLst>
@@ -9771,7 +10481,7 @@
                 <a:cs typeface="Calibri"/>
                 <a:sym typeface="Calibri"/>
               </a:rPr>
-              <a:t>Data Preparation &amp; EDA</a:t>
+              <a:t>Variable Creation and  Selection</a:t>
             </a:r>
             <a:endParaRPr sz="1400" b="1" i="0" u="none" strike="noStrike" cap="none">
               <a:solidFill>
@@ -9787,14 +10497,14 @@
       </p:sp>
       <p:sp>
         <p:nvSpPr>
-          <p:cNvPr id="73" name="Google Shape;73;p4"/>
+          <p:cNvPr id="75" name="Google Shape;75;p4"/>
           <p:cNvSpPr/>
           <p:nvPr/>
         </p:nvSpPr>
         <p:spPr>
           <a:xfrm>
-            <a:off x="2588448" y="1038523"/>
-            <a:ext cx="1983552" cy="717417"/>
+            <a:off x="6196682" y="1032609"/>
+            <a:ext cx="2880000" cy="717417"/>
           </a:xfrm>
           <a:prstGeom prst="chevron">
             <a:avLst>
@@ -9835,79 +10545,6 @@
               <a:buNone/>
             </a:pPr>
             <a:r>
-              <a:rPr lang="en-US" sz="1400" b="1" i="0" u="none" strike="noStrike" cap="none">
-                <a:solidFill>
-                  <a:schemeClr val="lt1"/>
-                </a:solidFill>
-                <a:latin typeface="Calibri"/>
-                <a:ea typeface="Calibri"/>
-                <a:cs typeface="Calibri"/>
-                <a:sym typeface="Calibri"/>
-              </a:rPr>
-              <a:t>Variable Creation and  Selection</a:t>
-            </a:r>
-            <a:endParaRPr sz="1400" b="1" i="0" u="none" strike="noStrike" cap="none">
-              <a:solidFill>
-                <a:schemeClr val="lt1"/>
-              </a:solidFill>
-              <a:latin typeface="Calibri"/>
-              <a:ea typeface="Calibri"/>
-              <a:cs typeface="Calibri"/>
-              <a:sym typeface="Calibri"/>
-            </a:endParaRPr>
-          </a:p>
-        </p:txBody>
-      </p:sp>
-      <p:sp>
-        <p:nvSpPr>
-          <p:cNvPr id="75" name="Google Shape;75;p4"/>
-          <p:cNvSpPr/>
-          <p:nvPr/>
-        </p:nvSpPr>
-        <p:spPr>
-          <a:xfrm>
-            <a:off x="6756599" y="1038522"/>
-            <a:ext cx="1983552" cy="717417"/>
-          </a:xfrm>
-          <a:prstGeom prst="chevron">
-            <a:avLst>
-              <a:gd name="adj" fmla="val 50000"/>
-            </a:avLst>
-          </a:prstGeom>
-          <a:solidFill>
-            <a:srgbClr val="F2F2F2">
-              <a:alpha val="29803"/>
-            </a:srgbClr>
-          </a:solidFill>
-          <a:ln w="9525" cap="flat" cmpd="sng">
-            <a:solidFill>
-              <a:srgbClr val="F2F2F2"/>
-            </a:solidFill>
-            <a:prstDash val="solid"/>
-            <a:round/>
-            <a:headEnd type="none" w="sm" len="sm"/>
-            <a:tailEnd type="none" w="sm" len="sm"/>
-          </a:ln>
-        </p:spPr>
-        <p:txBody>
-          <a:bodyPr spcFirstLastPara="1" wrap="square" lIns="91425" tIns="45700" rIns="91425" bIns="45700" anchor="ctr" anchorCtr="0">
-            <a:noAutofit/>
-          </a:bodyPr>
-          <a:lstStyle/>
-          <a:p>
-            <a:pPr marL="0" marR="0" lvl="0" indent="0" algn="ctr" rtl="0">
-              <a:lnSpc>
-                <a:spcPct val="100000"/>
-              </a:lnSpc>
-              <a:spcBef>
-                <a:spcPts val="0"/>
-              </a:spcBef>
-              <a:spcAft>
-                <a:spcPts val="0"/>
-              </a:spcAft>
-              <a:buNone/>
-            </a:pPr>
-            <a:r>
               <a:rPr lang="en-US" b="1" dirty="0">
                 <a:solidFill>
                   <a:schemeClr val="lt1"/>
@@ -9939,8 +10576,8 @@
         </p:nvSpPr>
         <p:spPr>
           <a:xfrm>
-            <a:off x="436409" y="1937272"/>
-            <a:ext cx="1983552" cy="2586581"/>
+            <a:off x="52379" y="1931359"/>
+            <a:ext cx="2880000" cy="2586581"/>
           </a:xfrm>
           <a:prstGeom prst="roundRect">
             <a:avLst>
@@ -9990,7 +10627,7 @@
                 <a:cs typeface="Calibri"/>
                 <a:sym typeface="Calibri"/>
               </a:rPr>
-              <a:t>Review of 6 months of customer extracted </a:t>
+              <a:t>Review of 6 months of customer data </a:t>
             </a:r>
             <a:endParaRPr dirty="0"/>
           </a:p>
@@ -10013,6 +10650,39 @@
               <a:buChar char="•"/>
             </a:pPr>
             <a:r>
+              <a:rPr lang="en-US" sz="1200" dirty="0">
+                <a:solidFill>
+                  <a:schemeClr val="lt1"/>
+                </a:solidFill>
+                <a:latin typeface="Calibri"/>
+                <a:cs typeface="Calibri"/>
+                <a:sym typeface="Calibri"/>
+              </a:rPr>
+              <a:t>Data attribute ‘</a:t>
+            </a:r>
+            <a:r>
+              <a:rPr lang="en-US" sz="1200" dirty="0" err="1">
+                <a:solidFill>
+                  <a:schemeClr val="lt1"/>
+                </a:solidFill>
+                <a:latin typeface="Calibri"/>
+                <a:cs typeface="Calibri"/>
+                <a:sym typeface="Calibri"/>
+              </a:rPr>
+              <a:t>active_inactive_start</a:t>
+            </a:r>
+            <a:r>
+              <a:rPr lang="en-US" sz="1200" dirty="0">
+                <a:solidFill>
+                  <a:schemeClr val="lt1"/>
+                </a:solidFill>
+                <a:latin typeface="Calibri"/>
+                <a:cs typeface="Calibri"/>
+                <a:sym typeface="Calibri"/>
+              </a:rPr>
+              <a:t>’ type changed from string/object to int64 to enable e</a:t>
+            </a:r>
+            <a:r>
               <a:rPr lang="en-US" sz="1200" b="0" i="0" u="none" strike="noStrike" cap="none" dirty="0">
                 <a:solidFill>
                   <a:schemeClr val="lt1"/>
@@ -10022,39 +10692,7 @@
                 <a:cs typeface="Calibri"/>
                 <a:sym typeface="Calibri"/>
               </a:rPr>
-              <a:t>…</a:t>
-            </a:r>
-            <a:endParaRPr dirty="0"/>
-          </a:p>
-          <a:p>
-            <a:pPr marL="180000" marR="0" lvl="0" indent="-180000" algn="l" rtl="0">
-              <a:lnSpc>
-                <a:spcPct val="100000"/>
-              </a:lnSpc>
-              <a:spcBef>
-                <a:spcPts val="0"/>
-              </a:spcBef>
-              <a:spcAft>
-                <a:spcPts val="0"/>
-              </a:spcAft>
-              <a:buClr>
-                <a:schemeClr val="lt1"/>
-              </a:buClr>
-              <a:buSzPts val="1200"/>
-              <a:buFont typeface="Arial"/>
-              <a:buChar char="•"/>
-            </a:pPr>
-            <a:r>
-              <a:rPr lang="en-US" sz="1200" b="0" i="0" u="none" strike="noStrike" cap="none" dirty="0">
-                <a:solidFill>
-                  <a:schemeClr val="lt1"/>
-                </a:solidFill>
-                <a:latin typeface="Calibri"/>
-                <a:ea typeface="Calibri"/>
-                <a:cs typeface="Calibri"/>
-                <a:sym typeface="Calibri"/>
-              </a:rPr>
-              <a:t>Extensive analysis across all variables </a:t>
+              <a:t>xtensive analysis across all variables </a:t>
             </a:r>
           </a:p>
           <a:p>
@@ -10116,7 +10754,33 @@
               </a:rPr>
               <a:t>No missing data reported during EDA</a:t>
             </a:r>
-            <a:endParaRPr dirty="0"/>
+          </a:p>
+          <a:p>
+            <a:pPr marL="180000" marR="0" lvl="0" indent="-180000" algn="l" rtl="0">
+              <a:lnSpc>
+                <a:spcPct val="100000"/>
+              </a:lnSpc>
+              <a:spcBef>
+                <a:spcPts val="0"/>
+              </a:spcBef>
+              <a:spcAft>
+                <a:spcPts val="0"/>
+              </a:spcAft>
+              <a:buClr>
+                <a:schemeClr val="lt1"/>
+              </a:buClr>
+              <a:buSzPts val="1200"/>
+              <a:buFont typeface="Arial"/>
+              <a:buChar char="•"/>
+            </a:pPr>
+            <a:endParaRPr lang="en-US" sz="1200" dirty="0">
+              <a:solidFill>
+                <a:schemeClr val="lt1"/>
+              </a:solidFill>
+              <a:latin typeface="Calibri"/>
+              <a:cs typeface="Calibri"/>
+              <a:sym typeface="Calibri"/>
+            </a:endParaRPr>
           </a:p>
         </p:txBody>
       </p:sp>
@@ -10128,8 +10792,8 @@
         </p:nvSpPr>
         <p:spPr>
           <a:xfrm>
-            <a:off x="2546657" y="1937272"/>
-            <a:ext cx="1983552" cy="2586581"/>
+            <a:off x="3098358" y="1931359"/>
+            <a:ext cx="2880000" cy="2586581"/>
           </a:xfrm>
           <a:prstGeom prst="roundRect">
             <a:avLst>
@@ -10277,14 +10941,14 @@
       </p:sp>
       <p:sp>
         <p:nvSpPr>
-          <p:cNvPr id="78" name="Google Shape;78;p4"/>
+          <p:cNvPr id="79" name="Google Shape;79;p4"/>
           <p:cNvSpPr/>
           <p:nvPr/>
         </p:nvSpPr>
         <p:spPr>
           <a:xfrm>
-            <a:off x="4656905" y="1937272"/>
-            <a:ext cx="1983552" cy="2586581"/>
+            <a:off x="6207236" y="1931359"/>
+            <a:ext cx="2880000" cy="2586581"/>
           </a:xfrm>
           <a:prstGeom prst="roundRect">
             <a:avLst>
@@ -10326,7 +10990,7 @@
               <a:buChar char="•"/>
             </a:pPr>
             <a:r>
-              <a:rPr lang="en-US" sz="1200" b="0" i="0" u="none" strike="noStrike" cap="none" dirty="0">
+              <a:rPr lang="en-US" sz="1200" dirty="0">
                 <a:solidFill>
                   <a:schemeClr val="lt1"/>
                 </a:solidFill>
@@ -10335,52 +10999,9 @@
                 <a:cs typeface="Calibri"/>
                 <a:sym typeface="Calibri"/>
               </a:rPr>
-              <a:t>No model development required as the analysis only required extensive exploratory data analysis across the data for 6 months</a:t>
+              <a:t>Relatively high correlation (0.6) between customer age and duration as customer in the bank</a:t>
             </a:r>
-            <a:endParaRPr sz="1200" b="0" i="0" u="none" strike="noStrike" cap="none" dirty="0">
-              <a:solidFill>
-                <a:schemeClr val="lt1"/>
-              </a:solidFill>
-              <a:latin typeface="Calibri"/>
-              <a:ea typeface="Calibri"/>
-              <a:cs typeface="Calibri"/>
-              <a:sym typeface="Calibri"/>
-            </a:endParaRPr>
           </a:p>
-        </p:txBody>
-      </p:sp>
-      <p:sp>
-        <p:nvSpPr>
-          <p:cNvPr id="79" name="Google Shape;79;p4"/>
-          <p:cNvSpPr/>
-          <p:nvPr/>
-        </p:nvSpPr>
-        <p:spPr>
-          <a:xfrm>
-            <a:off x="6767153" y="1937272"/>
-            <a:ext cx="1983552" cy="2586581"/>
-          </a:xfrm>
-          <a:prstGeom prst="roundRect">
-            <a:avLst>
-              <a:gd name="adj" fmla="val 4519"/>
-            </a:avLst>
-          </a:prstGeom>
-          <a:noFill/>
-          <a:ln w="9525" cap="flat" cmpd="sng">
-            <a:solidFill>
-              <a:srgbClr val="F2F2F2"/>
-            </a:solidFill>
-            <a:prstDash val="solid"/>
-            <a:round/>
-            <a:headEnd type="none" w="sm" len="sm"/>
-            <a:tailEnd type="none" w="sm" len="sm"/>
-          </a:ln>
-        </p:spPr>
-        <p:txBody>
-          <a:bodyPr spcFirstLastPara="1" wrap="square" lIns="91425" tIns="45700" rIns="91425" bIns="45700" anchor="t" anchorCtr="0">
-            <a:noAutofit/>
-          </a:bodyPr>
-          <a:lstStyle/>
           <a:p>
             <a:pPr marL="180000" marR="0" lvl="0" indent="-180000" algn="l" rtl="0">
               <a:lnSpc>
@@ -10400,7 +11021,7 @@
               <a:buChar char="•"/>
             </a:pPr>
             <a:r>
-              <a:rPr lang="en-US" sz="1200" b="0" i="0" u="none" strike="noStrike" cap="none" dirty="0">
+              <a:rPr lang="en-US" sz="1200" dirty="0">
                 <a:solidFill>
                   <a:schemeClr val="lt1"/>
                 </a:solidFill>
@@ -10409,17 +11030,39 @@
                 <a:cs typeface="Calibri"/>
                 <a:sym typeface="Calibri"/>
               </a:rPr>
-              <a:t>Extensive customer analysis providing insights on key parameters having direct correlation with customer active status</a:t>
+              <a:t>High correlation between customer activation status and number of products / cards availed suggest number of products as a good feature for performing predictive analysis on customer activation status</a:t>
             </a:r>
-            <a:endParaRPr sz="1200" b="0" i="0" u="none" strike="noStrike" cap="none" dirty="0">
-              <a:solidFill>
+          </a:p>
+          <a:p>
+            <a:pPr marL="180000" marR="0" lvl="0" indent="-180000" algn="l" rtl="0">
+              <a:lnSpc>
+                <a:spcPct val="100000"/>
+              </a:lnSpc>
+              <a:spcBef>
+                <a:spcPts val="0"/>
+              </a:spcBef>
+              <a:spcAft>
+                <a:spcPts val="0"/>
+              </a:spcAft>
+              <a:buClr>
                 <a:schemeClr val="lt1"/>
-              </a:solidFill>
-              <a:latin typeface="Calibri"/>
-              <a:ea typeface="Calibri"/>
-              <a:cs typeface="Calibri"/>
-              <a:sym typeface="Calibri"/>
-            </a:endParaRPr>
+              </a:buClr>
+              <a:buSzPts val="1200"/>
+              <a:buFont typeface="Arial"/>
+              <a:buChar char="•"/>
+            </a:pPr>
+            <a:r>
+              <a:rPr lang="en-US" sz="1200" dirty="0">
+                <a:solidFill>
+                  <a:schemeClr val="lt1"/>
+                </a:solidFill>
+                <a:latin typeface="Calibri"/>
+                <a:ea typeface="Calibri"/>
+                <a:cs typeface="Calibri"/>
+                <a:sym typeface="Calibri"/>
+              </a:rPr>
+              <a:t>Fairly balanced gender mix across customers not a determining factor in analyzing customer activation status</a:t>
+            </a:r>
           </a:p>
         </p:txBody>
       </p:sp>
@@ -10513,6 +11156,1385 @@
               <a:buNone/>
             </a:pPr>
             <a:r>
+              <a:rPr lang="en-US" sz="2800" b="1" i="0" u="none" strike="noStrike" cap="none" dirty="0">
+                <a:solidFill>
+                  <a:srgbClr val="FFFFFF"/>
+                </a:solidFill>
+                <a:latin typeface="Roboto"/>
+                <a:ea typeface="Roboto"/>
+                <a:cs typeface="Roboto"/>
+                <a:sym typeface="Roboto"/>
+              </a:rPr>
+              <a:t>Exploratory Data Analysis </a:t>
+            </a:r>
+            <a:r>
+              <a:rPr lang="en-US" sz="2800" b="1" dirty="0">
+                <a:solidFill>
+                  <a:srgbClr val="FFFFFF"/>
+                </a:solidFill>
+                <a:latin typeface="Roboto"/>
+                <a:ea typeface="Roboto"/>
+                <a:cs typeface="Roboto"/>
+                <a:sym typeface="Roboto"/>
+              </a:rPr>
+              <a:t>- Summary</a:t>
+            </a:r>
+            <a:endParaRPr dirty="0"/>
+          </a:p>
+        </p:txBody>
+      </p:sp>
+      <p:sp>
+        <p:nvSpPr>
+          <p:cNvPr id="2" name="Google Shape;76;p4">
+            <a:extLst>
+              <a:ext uri="{FF2B5EF4-FFF2-40B4-BE49-F238E27FC236}">
+                <a16:creationId xmlns:a16="http://schemas.microsoft.com/office/drawing/2014/main" id="{8DB6697D-EE26-73BB-8C19-5AF54F329D1A}"/>
+              </a:ext>
+            </a:extLst>
+          </p:cNvPr>
+          <p:cNvSpPr/>
+          <p:nvPr/>
+        </p:nvSpPr>
+        <p:spPr>
+          <a:xfrm>
+            <a:off x="346967" y="1142320"/>
+            <a:ext cx="8450066" cy="1858977"/>
+          </a:xfrm>
+          <a:prstGeom prst="roundRect">
+            <a:avLst>
+              <a:gd name="adj" fmla="val 4519"/>
+            </a:avLst>
+          </a:prstGeom>
+          <a:noFill/>
+          <a:ln w="9525" cap="flat" cmpd="sng">
+            <a:solidFill>
+              <a:srgbClr val="F2F2F2"/>
+            </a:solidFill>
+            <a:prstDash val="solid"/>
+            <a:round/>
+            <a:headEnd type="none" w="sm" len="sm"/>
+            <a:tailEnd type="none" w="sm" len="sm"/>
+          </a:ln>
+        </p:spPr>
+        <p:txBody>
+          <a:bodyPr spcFirstLastPara="1" wrap="square" lIns="91425" tIns="45700" rIns="91425" bIns="45700" anchor="t" anchorCtr="0">
+            <a:noAutofit/>
+          </a:bodyPr>
+          <a:lstStyle/>
+          <a:p>
+            <a:pPr marL="180000" indent="-180000">
+              <a:buClr>
+                <a:schemeClr val="lt1"/>
+              </a:buClr>
+              <a:buSzPts val="1200"/>
+              <a:buFont typeface="Arial"/>
+              <a:buChar char="•"/>
+            </a:pPr>
+            <a:r>
+              <a:rPr lang="en-IN" dirty="0">
+                <a:solidFill>
+                  <a:schemeClr val="bg1"/>
+                </a:solidFill>
+              </a:rPr>
+              <a:t>Total 54k customers were analysed as part of this data analysis on customer behaviour particularly on customer active / inactive status and any change in their behaviour</a:t>
+            </a:r>
+          </a:p>
+          <a:p>
+            <a:pPr marL="180000" marR="0" lvl="0" indent="-180000" algn="l" rtl="0">
+              <a:lnSpc>
+                <a:spcPct val="100000"/>
+              </a:lnSpc>
+              <a:spcBef>
+                <a:spcPts val="0"/>
+              </a:spcBef>
+              <a:spcAft>
+                <a:spcPts val="0"/>
+              </a:spcAft>
+              <a:buClr>
+                <a:schemeClr val="lt1"/>
+              </a:buClr>
+              <a:buSzPts val="1200"/>
+              <a:buFont typeface="Arial"/>
+              <a:buChar char="•"/>
+            </a:pPr>
+            <a:r>
+              <a:rPr lang="en-IN" dirty="0">
+                <a:solidFill>
+                  <a:schemeClr val="bg1"/>
+                </a:solidFill>
+              </a:rPr>
+              <a:t>No blank values reported in source file</a:t>
+            </a:r>
+          </a:p>
+          <a:p>
+            <a:pPr marL="180000" marR="0" lvl="0" indent="-180000" algn="l" rtl="0">
+              <a:lnSpc>
+                <a:spcPct val="100000"/>
+              </a:lnSpc>
+              <a:spcBef>
+                <a:spcPts val="0"/>
+              </a:spcBef>
+              <a:spcAft>
+                <a:spcPts val="0"/>
+              </a:spcAft>
+              <a:buClr>
+                <a:schemeClr val="lt1"/>
+              </a:buClr>
+              <a:buSzPts val="1200"/>
+              <a:buFont typeface="Arial"/>
+              <a:buChar char="•"/>
+            </a:pPr>
+            <a:r>
+              <a:rPr lang="en-IN" dirty="0">
+                <a:solidFill>
+                  <a:schemeClr val="bg1"/>
+                </a:solidFill>
+              </a:rPr>
+              <a:t>One data field ‘</a:t>
+            </a:r>
+            <a:r>
+              <a:rPr lang="en-IN" dirty="0" err="1">
+                <a:solidFill>
+                  <a:schemeClr val="bg1"/>
+                </a:solidFill>
+              </a:rPr>
+              <a:t>active_inactive_start</a:t>
+            </a:r>
+            <a:r>
+              <a:rPr lang="en-IN" dirty="0">
+                <a:solidFill>
+                  <a:schemeClr val="bg1"/>
+                </a:solidFill>
+              </a:rPr>
+              <a:t>’ which was in string format had to be converted to int64 format to enable further EDA with other data attribute</a:t>
+            </a:r>
+          </a:p>
+          <a:p>
+            <a:pPr marL="180000" marR="0" lvl="0" indent="-180000" algn="l" rtl="0">
+              <a:lnSpc>
+                <a:spcPct val="100000"/>
+              </a:lnSpc>
+              <a:spcBef>
+                <a:spcPts val="0"/>
+              </a:spcBef>
+              <a:spcAft>
+                <a:spcPts val="0"/>
+              </a:spcAft>
+              <a:buClr>
+                <a:schemeClr val="lt1"/>
+              </a:buClr>
+              <a:buSzPts val="1200"/>
+              <a:buFont typeface="Arial"/>
+              <a:buChar char="•"/>
+            </a:pPr>
+            <a:r>
+              <a:rPr lang="en-IN" dirty="0">
+                <a:solidFill>
+                  <a:schemeClr val="bg1"/>
+                </a:solidFill>
+              </a:rPr>
+              <a:t>Created one additional data field to segregate customers basis their active inactive status during the analysis period of 6 months</a:t>
+            </a:r>
+          </a:p>
+          <a:p>
+            <a:pPr marL="180000" marR="0" lvl="0" indent="-180000" algn="l" rtl="0">
+              <a:lnSpc>
+                <a:spcPct val="100000"/>
+              </a:lnSpc>
+              <a:spcBef>
+                <a:spcPts val="0"/>
+              </a:spcBef>
+              <a:spcAft>
+                <a:spcPts val="0"/>
+              </a:spcAft>
+              <a:buClr>
+                <a:schemeClr val="lt1"/>
+              </a:buClr>
+              <a:buSzPts val="1200"/>
+              <a:buFont typeface="Arial"/>
+              <a:buChar char="•"/>
+            </a:pPr>
+            <a:r>
+              <a:rPr lang="en-IN" dirty="0">
+                <a:solidFill>
+                  <a:schemeClr val="bg1"/>
+                </a:solidFill>
+              </a:rPr>
+              <a:t>Removed outliers existed in gross income which otherwise could impact predictive analysis</a:t>
+            </a:r>
+          </a:p>
+          <a:p>
+            <a:pPr marL="180000" marR="0" lvl="0" indent="-180000" algn="l" rtl="0">
+              <a:lnSpc>
+                <a:spcPct val="100000"/>
+              </a:lnSpc>
+              <a:spcBef>
+                <a:spcPts val="0"/>
+              </a:spcBef>
+              <a:spcAft>
+                <a:spcPts val="0"/>
+              </a:spcAft>
+              <a:buClr>
+                <a:schemeClr val="lt1"/>
+              </a:buClr>
+              <a:buSzPts val="1200"/>
+              <a:buFont typeface="Arial"/>
+              <a:buChar char="•"/>
+            </a:pPr>
+            <a:endParaRPr dirty="0"/>
+          </a:p>
+        </p:txBody>
+      </p:sp>
+      <p:sp>
+        <p:nvSpPr>
+          <p:cNvPr id="4" name="Google Shape;76;p4">
+            <a:extLst>
+              <a:ext uri="{FF2B5EF4-FFF2-40B4-BE49-F238E27FC236}">
+                <a16:creationId xmlns:a16="http://schemas.microsoft.com/office/drawing/2014/main" id="{C0A82DCC-0DBA-C5A3-815C-65E18A9D001C}"/>
+              </a:ext>
+            </a:extLst>
+          </p:cNvPr>
+          <p:cNvSpPr/>
+          <p:nvPr/>
+        </p:nvSpPr>
+        <p:spPr>
+          <a:xfrm>
+            <a:off x="346967" y="3539613"/>
+            <a:ext cx="8450066" cy="1184342"/>
+          </a:xfrm>
+          <a:prstGeom prst="roundRect">
+            <a:avLst>
+              <a:gd name="adj" fmla="val 4519"/>
+            </a:avLst>
+          </a:prstGeom>
+          <a:noFill/>
+          <a:ln w="9525" cap="flat" cmpd="sng">
+            <a:solidFill>
+              <a:srgbClr val="F2F2F2"/>
+            </a:solidFill>
+            <a:prstDash val="solid"/>
+            <a:round/>
+            <a:headEnd type="none" w="sm" len="sm"/>
+            <a:tailEnd type="none" w="sm" len="sm"/>
+          </a:ln>
+        </p:spPr>
+        <p:txBody>
+          <a:bodyPr spcFirstLastPara="1" wrap="square" lIns="91425" tIns="45700" rIns="91425" bIns="45700" anchor="t" anchorCtr="0">
+            <a:noAutofit/>
+          </a:bodyPr>
+          <a:lstStyle/>
+          <a:p>
+            <a:pPr marR="0" lvl="0" algn="l" rtl="0">
+              <a:lnSpc>
+                <a:spcPct val="100000"/>
+              </a:lnSpc>
+              <a:spcBef>
+                <a:spcPts val="0"/>
+              </a:spcBef>
+              <a:spcAft>
+                <a:spcPts val="0"/>
+              </a:spcAft>
+              <a:buClr>
+                <a:schemeClr val="lt1"/>
+              </a:buClr>
+              <a:buSzPts val="1200"/>
+            </a:pPr>
+            <a:r>
+              <a:rPr lang="en-IN" dirty="0">
+                <a:solidFill>
+                  <a:schemeClr val="bg1"/>
+                </a:solidFill>
+              </a:rPr>
+              <a:t>Customer Profile:</a:t>
+            </a:r>
+          </a:p>
+          <a:p>
+            <a:pPr marL="285750" marR="0" lvl="0" indent="-285750" algn="l" rtl="0">
+              <a:lnSpc>
+                <a:spcPct val="100000"/>
+              </a:lnSpc>
+              <a:spcBef>
+                <a:spcPts val="0"/>
+              </a:spcBef>
+              <a:spcAft>
+                <a:spcPts val="0"/>
+              </a:spcAft>
+              <a:buClr>
+                <a:schemeClr val="lt1"/>
+              </a:buClr>
+              <a:buSzPts val="1200"/>
+              <a:buFont typeface="Arial" panose="020B0604020202020204" pitchFamily="34" charset="0"/>
+              <a:buChar char="•"/>
+            </a:pPr>
+            <a:r>
+              <a:rPr lang="en-IN" dirty="0">
+                <a:solidFill>
+                  <a:schemeClr val="bg1"/>
+                </a:solidFill>
+              </a:rPr>
+              <a:t>Average Age: 41 years; Male ~ 35 years; Female ~ 42 Years</a:t>
+            </a:r>
+          </a:p>
+          <a:p>
+            <a:pPr marL="285750" marR="0" lvl="0" indent="-285750" algn="l" rtl="0">
+              <a:lnSpc>
+                <a:spcPct val="100000"/>
+              </a:lnSpc>
+              <a:spcBef>
+                <a:spcPts val="0"/>
+              </a:spcBef>
+              <a:spcAft>
+                <a:spcPts val="0"/>
+              </a:spcAft>
+              <a:buClr>
+                <a:schemeClr val="lt1"/>
+              </a:buClr>
+              <a:buSzPts val="1200"/>
+              <a:buFont typeface="Arial" panose="020B0604020202020204" pitchFamily="34" charset="0"/>
+              <a:buChar char="•"/>
+            </a:pPr>
+            <a:r>
+              <a:rPr lang="en-IN" dirty="0">
+                <a:solidFill>
+                  <a:schemeClr val="bg1"/>
+                </a:solidFill>
+              </a:rPr>
+              <a:t>Gender Ratio: Balanced across with female customers (29k) more than male (24k) customers</a:t>
+            </a:r>
+          </a:p>
+          <a:p>
+            <a:pPr marL="285750" marR="0" lvl="0" indent="-285750" algn="l" rtl="0">
+              <a:lnSpc>
+                <a:spcPct val="100000"/>
+              </a:lnSpc>
+              <a:spcBef>
+                <a:spcPts val="0"/>
+              </a:spcBef>
+              <a:spcAft>
+                <a:spcPts val="0"/>
+              </a:spcAft>
+              <a:buClr>
+                <a:schemeClr val="lt1"/>
+              </a:buClr>
+              <a:buSzPts val="1200"/>
+              <a:buFont typeface="Arial" panose="020B0604020202020204" pitchFamily="34" charset="0"/>
+              <a:buChar char="•"/>
+            </a:pPr>
+            <a:r>
+              <a:rPr lang="en-IN" dirty="0">
+                <a:solidFill>
+                  <a:schemeClr val="bg1"/>
+                </a:solidFill>
+              </a:rPr>
+              <a:t>3 different segment of customers with majority as individuals, college graduates and a small proportion as VIPs</a:t>
+            </a:r>
+          </a:p>
+          <a:p>
+            <a:pPr marL="285750" marR="0" lvl="0" indent="-285750" algn="l" rtl="0">
+              <a:lnSpc>
+                <a:spcPct val="100000"/>
+              </a:lnSpc>
+              <a:spcBef>
+                <a:spcPts val="0"/>
+              </a:spcBef>
+              <a:spcAft>
+                <a:spcPts val="0"/>
+              </a:spcAft>
+              <a:buClr>
+                <a:schemeClr val="lt1"/>
+              </a:buClr>
+              <a:buSzPts val="1200"/>
+              <a:buFont typeface="Arial" panose="020B0604020202020204" pitchFamily="34" charset="0"/>
+              <a:buChar char="•"/>
+            </a:pPr>
+            <a:endParaRPr lang="en-IN" dirty="0">
+              <a:solidFill>
+                <a:schemeClr val="bg1"/>
+              </a:solidFill>
+            </a:endParaRPr>
+          </a:p>
+          <a:p>
+            <a:pPr marR="0" lvl="0" algn="l" rtl="0">
+              <a:lnSpc>
+                <a:spcPct val="100000"/>
+              </a:lnSpc>
+              <a:spcBef>
+                <a:spcPts val="0"/>
+              </a:spcBef>
+              <a:spcAft>
+                <a:spcPts val="0"/>
+              </a:spcAft>
+              <a:buClr>
+                <a:schemeClr val="lt1"/>
+              </a:buClr>
+              <a:buSzPts val="1200"/>
+            </a:pPr>
+            <a:endParaRPr lang="en-IN" dirty="0">
+              <a:solidFill>
+                <a:schemeClr val="bg1"/>
+              </a:solidFill>
+            </a:endParaRPr>
+          </a:p>
+          <a:p>
+            <a:pPr marR="0" lvl="0" algn="l" rtl="0">
+              <a:lnSpc>
+                <a:spcPct val="100000"/>
+              </a:lnSpc>
+              <a:spcBef>
+                <a:spcPts val="0"/>
+              </a:spcBef>
+              <a:spcAft>
+                <a:spcPts val="0"/>
+              </a:spcAft>
+              <a:buClr>
+                <a:schemeClr val="lt1"/>
+              </a:buClr>
+              <a:buSzPts val="1200"/>
+            </a:pPr>
+            <a:endParaRPr lang="en-IN" dirty="0">
+              <a:solidFill>
+                <a:schemeClr val="bg1"/>
+              </a:solidFill>
+            </a:endParaRPr>
+          </a:p>
+          <a:p>
+            <a:pPr marR="0" lvl="0" algn="l" rtl="0">
+              <a:lnSpc>
+                <a:spcPct val="100000"/>
+              </a:lnSpc>
+              <a:spcBef>
+                <a:spcPts val="0"/>
+              </a:spcBef>
+              <a:spcAft>
+                <a:spcPts val="0"/>
+              </a:spcAft>
+              <a:buClr>
+                <a:schemeClr val="lt1"/>
+              </a:buClr>
+              <a:buSzPts val="1200"/>
+            </a:pPr>
+            <a:endParaRPr dirty="0"/>
+          </a:p>
+        </p:txBody>
+      </p:sp>
+    </p:spTree>
+    <p:extLst>
+      <p:ext uri="{BB962C8B-B14F-4D97-AF65-F5344CB8AC3E}">
+        <p14:creationId xmlns:p14="http://schemas.microsoft.com/office/powerpoint/2010/main" val="939116355"/>
+      </p:ext>
+    </p:extLst>
+  </p:cSld>
+  <p:clrMapOvr>
+    <a:masterClrMapping/>
+  </p:clrMapOvr>
+</p:sld>
+</file>
+
+<file path=ppt/slides/slide5.xml><?xml version="1.0" encoding="utf-8"?>
+<p:sld xmlns:a="http://schemas.openxmlformats.org/drawingml/2006/main" xmlns:r="http://schemas.openxmlformats.org/officeDocument/2006/relationships" xmlns:p="http://schemas.openxmlformats.org/presentationml/2006/main">
+  <p:cSld>
+    <p:spTree>
+      <p:nvGrpSpPr>
+        <p:cNvPr id="1" name="Shape 84"/>
+        <p:cNvGrpSpPr/>
+        <p:nvPr/>
+      </p:nvGrpSpPr>
+      <p:grpSpPr>
+        <a:xfrm>
+          <a:off x="0" y="0"/>
+          <a:ext cx="0" cy="0"/>
+          <a:chOff x="0" y="0"/>
+          <a:chExt cx="0" cy="0"/>
+        </a:xfrm>
+      </p:grpSpPr>
+      <p:pic>
+        <p:nvPicPr>
+          <p:cNvPr id="85" name="Google Shape;85;p5"/>
+          <p:cNvPicPr preferRelativeResize="0"/>
+          <p:nvPr/>
+        </p:nvPicPr>
+        <p:blipFill rotWithShape="1">
+          <a:blip r:embed="rId3">
+            <a:alphaModFix/>
+          </a:blip>
+          <a:srcRect/>
+          <a:stretch/>
+        </p:blipFill>
+        <p:spPr>
+          <a:xfrm>
+            <a:off x="2" y="0"/>
+            <a:ext cx="9143998" cy="5143499"/>
+          </a:xfrm>
+          <a:prstGeom prst="rect">
+            <a:avLst/>
+          </a:prstGeom>
+          <a:noFill/>
+          <a:ln>
+            <a:noFill/>
+          </a:ln>
+        </p:spPr>
+      </p:pic>
+      <p:sp>
+        <p:nvSpPr>
+          <p:cNvPr id="86" name="Google Shape;86;p5"/>
+          <p:cNvSpPr txBox="1"/>
+          <p:nvPr/>
+        </p:nvSpPr>
+        <p:spPr>
+          <a:xfrm>
+            <a:off x="716400" y="417087"/>
+            <a:ext cx="8187600" cy="615523"/>
+          </a:xfrm>
+          <a:prstGeom prst="rect">
+            <a:avLst/>
+          </a:prstGeom>
+          <a:noFill/>
+          <a:ln>
+            <a:noFill/>
+          </a:ln>
+        </p:spPr>
+        <p:txBody>
+          <a:bodyPr spcFirstLastPara="1" wrap="square" lIns="91425" tIns="91425" rIns="91425" bIns="91425" anchor="t" anchorCtr="0">
+            <a:spAutoFit/>
+          </a:bodyPr>
+          <a:lstStyle/>
+          <a:p>
+            <a:pPr marL="0" marR="0" lvl="0" indent="0" algn="l" rtl="0">
+              <a:lnSpc>
+                <a:spcPct val="100000"/>
+              </a:lnSpc>
+              <a:spcBef>
+                <a:spcPts val="0"/>
+              </a:spcBef>
+              <a:spcAft>
+                <a:spcPts val="0"/>
+              </a:spcAft>
+              <a:buNone/>
+            </a:pPr>
+            <a:r>
+              <a:rPr lang="en-US" sz="2800" b="1" i="0" u="none" strike="noStrike" cap="none" dirty="0">
+                <a:solidFill>
+                  <a:srgbClr val="FFFFFF"/>
+                </a:solidFill>
+                <a:latin typeface="Roboto"/>
+                <a:ea typeface="Roboto"/>
+                <a:cs typeface="Roboto"/>
+                <a:sym typeface="Roboto"/>
+              </a:rPr>
+              <a:t>Customer Analysis Basis Active / Inactive Status</a:t>
+            </a:r>
+            <a:endParaRPr dirty="0"/>
+          </a:p>
+        </p:txBody>
+      </p:sp>
+      <p:pic>
+        <p:nvPicPr>
+          <p:cNvPr id="6" name="Picture 5">
+            <a:extLst>
+              <a:ext uri="{FF2B5EF4-FFF2-40B4-BE49-F238E27FC236}">
+                <a16:creationId xmlns:a16="http://schemas.microsoft.com/office/drawing/2014/main" id="{72109BF0-B8F5-DDA9-2894-C20C920EC33A}"/>
+              </a:ext>
+            </a:extLst>
+          </p:cNvPr>
+          <p:cNvPicPr>
+            <a:picLocks noChangeAspect="1"/>
+          </p:cNvPicPr>
+          <p:nvPr/>
+        </p:nvPicPr>
+        <p:blipFill>
+          <a:blip r:embed="rId4"/>
+          <a:stretch>
+            <a:fillRect/>
+          </a:stretch>
+        </p:blipFill>
+        <p:spPr>
+          <a:xfrm>
+            <a:off x="414645" y="1032611"/>
+            <a:ext cx="2439168" cy="1643188"/>
+          </a:xfrm>
+          <a:prstGeom prst="rect">
+            <a:avLst/>
+          </a:prstGeom>
+        </p:spPr>
+      </p:pic>
+      <p:pic>
+        <p:nvPicPr>
+          <p:cNvPr id="8" name="Picture 7">
+            <a:extLst>
+              <a:ext uri="{FF2B5EF4-FFF2-40B4-BE49-F238E27FC236}">
+                <a16:creationId xmlns:a16="http://schemas.microsoft.com/office/drawing/2014/main" id="{4F1D4C29-4B6A-96D3-CF01-A74F3B0FB226}"/>
+              </a:ext>
+            </a:extLst>
+          </p:cNvPr>
+          <p:cNvPicPr>
+            <a:picLocks noChangeAspect="1"/>
+          </p:cNvPicPr>
+          <p:nvPr/>
+        </p:nvPicPr>
+        <p:blipFill>
+          <a:blip r:embed="rId5"/>
+          <a:stretch>
+            <a:fillRect/>
+          </a:stretch>
+        </p:blipFill>
+        <p:spPr>
+          <a:xfrm>
+            <a:off x="414645" y="2845978"/>
+            <a:ext cx="2439168" cy="1578538"/>
+          </a:xfrm>
+          <a:prstGeom prst="rect">
+            <a:avLst/>
+          </a:prstGeom>
+        </p:spPr>
+      </p:pic>
+      <p:sp>
+        <p:nvSpPr>
+          <p:cNvPr id="2" name="Google Shape;76;p4">
+            <a:extLst>
+              <a:ext uri="{FF2B5EF4-FFF2-40B4-BE49-F238E27FC236}">
+                <a16:creationId xmlns:a16="http://schemas.microsoft.com/office/drawing/2014/main" id="{05B2E00C-C49F-CE23-CEE5-98E01E16445F}"/>
+              </a:ext>
+            </a:extLst>
+          </p:cNvPr>
+          <p:cNvSpPr/>
+          <p:nvPr/>
+        </p:nvSpPr>
+        <p:spPr>
+          <a:xfrm>
+            <a:off x="2979173" y="1032611"/>
+            <a:ext cx="5817859" cy="1643188"/>
+          </a:xfrm>
+          <a:prstGeom prst="roundRect">
+            <a:avLst>
+              <a:gd name="adj" fmla="val 4519"/>
+            </a:avLst>
+          </a:prstGeom>
+          <a:noFill/>
+          <a:ln w="9525" cap="flat" cmpd="sng">
+            <a:solidFill>
+              <a:srgbClr val="F2F2F2"/>
+            </a:solidFill>
+            <a:prstDash val="solid"/>
+            <a:round/>
+            <a:headEnd type="none" w="sm" len="sm"/>
+            <a:tailEnd type="none" w="sm" len="sm"/>
+          </a:ln>
+        </p:spPr>
+        <p:txBody>
+          <a:bodyPr spcFirstLastPara="1" wrap="square" lIns="91425" tIns="45700" rIns="91425" bIns="45700" anchor="t" anchorCtr="0">
+            <a:noAutofit/>
+          </a:bodyPr>
+          <a:lstStyle/>
+          <a:p>
+            <a:pPr marL="180000" indent="-180000">
+              <a:buClr>
+                <a:schemeClr val="lt1"/>
+              </a:buClr>
+              <a:buSzPts val="1200"/>
+              <a:buFont typeface="Arial"/>
+              <a:buChar char="•"/>
+            </a:pPr>
+            <a:r>
+              <a:rPr lang="en-IN" dirty="0">
+                <a:solidFill>
+                  <a:schemeClr val="bg1"/>
+                </a:solidFill>
+              </a:rPr>
+              <a:t>2438 customers got activated during the analysis period</a:t>
+            </a:r>
+          </a:p>
+          <a:p>
+            <a:pPr marL="180000" indent="-180000">
+              <a:buClr>
+                <a:schemeClr val="lt1"/>
+              </a:buClr>
+              <a:buSzPts val="1200"/>
+              <a:buFont typeface="Arial"/>
+              <a:buChar char="•"/>
+            </a:pPr>
+            <a:r>
+              <a:rPr lang="en-IN" dirty="0">
+                <a:solidFill>
+                  <a:schemeClr val="bg1"/>
+                </a:solidFill>
+              </a:rPr>
+              <a:t>However, almost an equal number (2098) customers became inactive during the analysis period</a:t>
+            </a:r>
+          </a:p>
+          <a:p>
+            <a:pPr marL="180000" indent="-180000">
+              <a:buClr>
+                <a:schemeClr val="lt1"/>
+              </a:buClr>
+              <a:buSzPts val="1200"/>
+              <a:buFont typeface="Arial"/>
+              <a:buChar char="•"/>
+            </a:pPr>
+            <a:endParaRPr lang="en-IN" dirty="0">
+              <a:solidFill>
+                <a:schemeClr val="bg1"/>
+              </a:solidFill>
+            </a:endParaRPr>
+          </a:p>
+          <a:p>
+            <a:pPr marL="180000" indent="-180000">
+              <a:buClr>
+                <a:schemeClr val="lt1"/>
+              </a:buClr>
+              <a:buSzPts val="1200"/>
+              <a:buFont typeface="Arial"/>
+              <a:buChar char="•"/>
+            </a:pPr>
+            <a:r>
+              <a:rPr lang="en-IN" dirty="0">
+                <a:solidFill>
+                  <a:schemeClr val="bg1"/>
+                </a:solidFill>
+              </a:rPr>
+              <a:t>A large number of customers (~26k) remained inactive </a:t>
+            </a:r>
+          </a:p>
+          <a:p>
+            <a:pPr marL="180000" indent="-180000">
+              <a:buClr>
+                <a:schemeClr val="lt1"/>
+              </a:buClr>
+              <a:buSzPts val="1200"/>
+              <a:buFont typeface="Arial"/>
+              <a:buChar char="•"/>
+            </a:pPr>
+            <a:endParaRPr lang="en-IN" dirty="0">
+              <a:solidFill>
+                <a:schemeClr val="bg1"/>
+              </a:solidFill>
+            </a:endParaRPr>
+          </a:p>
+          <a:p>
+            <a:pPr marL="180000" indent="-180000">
+              <a:buClr>
+                <a:schemeClr val="lt1"/>
+              </a:buClr>
+              <a:buSzPts val="1200"/>
+              <a:buFont typeface="Arial"/>
+              <a:buChar char="•"/>
+            </a:pPr>
+            <a:r>
+              <a:rPr lang="en-IN" dirty="0">
+                <a:solidFill>
+                  <a:schemeClr val="bg1"/>
+                </a:solidFill>
+              </a:rPr>
+              <a:t>~22k customers remained active during the period</a:t>
+            </a:r>
+          </a:p>
+        </p:txBody>
+      </p:sp>
+      <p:sp>
+        <p:nvSpPr>
+          <p:cNvPr id="3" name="Google Shape;76;p4">
+            <a:extLst>
+              <a:ext uri="{FF2B5EF4-FFF2-40B4-BE49-F238E27FC236}">
+                <a16:creationId xmlns:a16="http://schemas.microsoft.com/office/drawing/2014/main" id="{E9B91404-C3EB-A562-EFBC-35B3C9C83647}"/>
+              </a:ext>
+            </a:extLst>
+          </p:cNvPr>
+          <p:cNvSpPr/>
+          <p:nvPr/>
+        </p:nvSpPr>
+        <p:spPr>
+          <a:xfrm>
+            <a:off x="2979173" y="2781328"/>
+            <a:ext cx="5817859" cy="1643188"/>
+          </a:xfrm>
+          <a:prstGeom prst="roundRect">
+            <a:avLst>
+              <a:gd name="adj" fmla="val 4519"/>
+            </a:avLst>
+          </a:prstGeom>
+          <a:noFill/>
+          <a:ln w="9525" cap="flat" cmpd="sng">
+            <a:solidFill>
+              <a:srgbClr val="F2F2F2"/>
+            </a:solidFill>
+            <a:prstDash val="solid"/>
+            <a:round/>
+            <a:headEnd type="none" w="sm" len="sm"/>
+            <a:tailEnd type="none" w="sm" len="sm"/>
+          </a:ln>
+        </p:spPr>
+        <p:txBody>
+          <a:bodyPr spcFirstLastPara="1" wrap="square" lIns="91425" tIns="45700" rIns="91425" bIns="45700" anchor="t" anchorCtr="0">
+            <a:noAutofit/>
+          </a:bodyPr>
+          <a:lstStyle/>
+          <a:p>
+            <a:pPr marL="180000" indent="-180000">
+              <a:buClr>
+                <a:schemeClr val="lt1"/>
+              </a:buClr>
+              <a:buSzPts val="1200"/>
+              <a:buFont typeface="Arial"/>
+              <a:buChar char="•"/>
+            </a:pPr>
+            <a:r>
+              <a:rPr lang="en-IN" dirty="0">
+                <a:solidFill>
+                  <a:schemeClr val="bg1"/>
+                </a:solidFill>
+              </a:rPr>
+              <a:t>Majority of inactive customers has their gross income below the average gross income of all customers in the bank indicating </a:t>
+            </a:r>
+            <a:r>
+              <a:rPr lang="en-IN" dirty="0" err="1">
+                <a:solidFill>
+                  <a:schemeClr val="bg1"/>
+                </a:solidFill>
+              </a:rPr>
+              <a:t>gross_income</a:t>
+            </a:r>
+            <a:r>
+              <a:rPr lang="en-IN" dirty="0">
+                <a:solidFill>
+                  <a:schemeClr val="bg1"/>
+                </a:solidFill>
+              </a:rPr>
+              <a:t> a possibly key parameter to predict which customers can turn inactive / active  in future </a:t>
+            </a:r>
+          </a:p>
+          <a:p>
+            <a:pPr marL="180000" indent="-180000">
+              <a:buClr>
+                <a:schemeClr val="lt1"/>
+              </a:buClr>
+              <a:buSzPts val="1200"/>
+              <a:buFont typeface="Arial"/>
+              <a:buChar char="•"/>
+            </a:pPr>
+            <a:r>
+              <a:rPr lang="en-IN" dirty="0">
+                <a:solidFill>
+                  <a:schemeClr val="bg1"/>
+                </a:solidFill>
+              </a:rPr>
+              <a:t>The variation in number of customers with below average or above average gross income is not much in case of customers turned active and became inactive in the analysis period</a:t>
+            </a:r>
+          </a:p>
+        </p:txBody>
+      </p:sp>
+    </p:spTree>
+    <p:extLst>
+      <p:ext uri="{BB962C8B-B14F-4D97-AF65-F5344CB8AC3E}">
+        <p14:creationId xmlns:p14="http://schemas.microsoft.com/office/powerpoint/2010/main" val="276658735"/>
+      </p:ext>
+    </p:extLst>
+  </p:cSld>
+  <p:clrMapOvr>
+    <a:masterClrMapping/>
+  </p:clrMapOvr>
+</p:sld>
+</file>
+
+<file path=ppt/slides/slide6.xml><?xml version="1.0" encoding="utf-8"?>
+<p:sld xmlns:a="http://schemas.openxmlformats.org/drawingml/2006/main" xmlns:r="http://schemas.openxmlformats.org/officeDocument/2006/relationships" xmlns:p="http://schemas.openxmlformats.org/presentationml/2006/main">
+  <p:cSld>
+    <p:spTree>
+      <p:nvGrpSpPr>
+        <p:cNvPr id="1" name="Shape 84"/>
+        <p:cNvGrpSpPr/>
+        <p:nvPr/>
+      </p:nvGrpSpPr>
+      <p:grpSpPr>
+        <a:xfrm>
+          <a:off x="0" y="0"/>
+          <a:ext cx="0" cy="0"/>
+          <a:chOff x="0" y="0"/>
+          <a:chExt cx="0" cy="0"/>
+        </a:xfrm>
+      </p:grpSpPr>
+      <p:pic>
+        <p:nvPicPr>
+          <p:cNvPr id="85" name="Google Shape;85;p5"/>
+          <p:cNvPicPr preferRelativeResize="0"/>
+          <p:nvPr/>
+        </p:nvPicPr>
+        <p:blipFill rotWithShape="1">
+          <a:blip r:embed="rId3">
+            <a:alphaModFix/>
+          </a:blip>
+          <a:srcRect/>
+          <a:stretch/>
+        </p:blipFill>
+        <p:spPr>
+          <a:xfrm>
+            <a:off x="2" y="0"/>
+            <a:ext cx="9143998" cy="5143499"/>
+          </a:xfrm>
+          <a:prstGeom prst="rect">
+            <a:avLst/>
+          </a:prstGeom>
+          <a:noFill/>
+          <a:ln>
+            <a:noFill/>
+          </a:ln>
+        </p:spPr>
+      </p:pic>
+      <p:sp>
+        <p:nvSpPr>
+          <p:cNvPr id="86" name="Google Shape;86;p5"/>
+          <p:cNvSpPr txBox="1"/>
+          <p:nvPr/>
+        </p:nvSpPr>
+        <p:spPr>
+          <a:xfrm>
+            <a:off x="716400" y="417087"/>
+            <a:ext cx="8187600" cy="615523"/>
+          </a:xfrm>
+          <a:prstGeom prst="rect">
+            <a:avLst/>
+          </a:prstGeom>
+          <a:noFill/>
+          <a:ln>
+            <a:noFill/>
+          </a:ln>
+        </p:spPr>
+        <p:txBody>
+          <a:bodyPr spcFirstLastPara="1" wrap="square" lIns="91425" tIns="91425" rIns="91425" bIns="91425" anchor="t" anchorCtr="0">
+            <a:spAutoFit/>
+          </a:bodyPr>
+          <a:lstStyle/>
+          <a:p>
+            <a:pPr marL="0" marR="0" lvl="0" indent="0" algn="l" rtl="0">
+              <a:lnSpc>
+                <a:spcPct val="100000"/>
+              </a:lnSpc>
+              <a:spcBef>
+                <a:spcPts val="0"/>
+              </a:spcBef>
+              <a:spcAft>
+                <a:spcPts val="0"/>
+              </a:spcAft>
+              <a:buNone/>
+            </a:pPr>
+            <a:r>
+              <a:rPr lang="en-US" sz="2800" b="1" i="0" u="none" strike="noStrike" cap="none" dirty="0">
+                <a:solidFill>
+                  <a:srgbClr val="FFFFFF"/>
+                </a:solidFill>
+                <a:latin typeface="Roboto"/>
+                <a:ea typeface="Roboto"/>
+                <a:cs typeface="Roboto"/>
+                <a:sym typeface="Roboto"/>
+              </a:rPr>
+              <a:t>Customer Analysis Basis Active / Inactive Status</a:t>
+            </a:r>
+            <a:endParaRPr dirty="0"/>
+          </a:p>
+        </p:txBody>
+      </p:sp>
+      <p:pic>
+        <p:nvPicPr>
+          <p:cNvPr id="3" name="Picture 2">
+            <a:extLst>
+              <a:ext uri="{FF2B5EF4-FFF2-40B4-BE49-F238E27FC236}">
+                <a16:creationId xmlns:a16="http://schemas.microsoft.com/office/drawing/2014/main" id="{FE841ED1-E3EF-7D6E-BB87-9789C5D0546E}"/>
+              </a:ext>
+            </a:extLst>
+          </p:cNvPr>
+          <p:cNvPicPr>
+            <a:picLocks noChangeAspect="1"/>
+          </p:cNvPicPr>
+          <p:nvPr/>
+        </p:nvPicPr>
+        <p:blipFill>
+          <a:blip r:embed="rId4"/>
+          <a:stretch>
+            <a:fillRect/>
+          </a:stretch>
+        </p:blipFill>
+        <p:spPr>
+          <a:xfrm>
+            <a:off x="393597" y="1032610"/>
+            <a:ext cx="2481263" cy="1585913"/>
+          </a:xfrm>
+          <a:prstGeom prst="rect">
+            <a:avLst/>
+          </a:prstGeom>
+        </p:spPr>
+      </p:pic>
+      <p:pic>
+        <p:nvPicPr>
+          <p:cNvPr id="5" name="Picture 4">
+            <a:extLst>
+              <a:ext uri="{FF2B5EF4-FFF2-40B4-BE49-F238E27FC236}">
+                <a16:creationId xmlns:a16="http://schemas.microsoft.com/office/drawing/2014/main" id="{BCCF88C5-4488-8229-A216-C2927D719650}"/>
+              </a:ext>
+            </a:extLst>
+          </p:cNvPr>
+          <p:cNvPicPr>
+            <a:picLocks noChangeAspect="1"/>
+          </p:cNvPicPr>
+          <p:nvPr/>
+        </p:nvPicPr>
+        <p:blipFill>
+          <a:blip r:embed="rId5"/>
+          <a:stretch>
+            <a:fillRect/>
+          </a:stretch>
+        </p:blipFill>
+        <p:spPr>
+          <a:xfrm>
+            <a:off x="375252" y="2889824"/>
+            <a:ext cx="2499608" cy="1522618"/>
+          </a:xfrm>
+          <a:prstGeom prst="rect">
+            <a:avLst/>
+          </a:prstGeom>
+        </p:spPr>
+      </p:pic>
+      <p:sp>
+        <p:nvSpPr>
+          <p:cNvPr id="2" name="Google Shape;76;p4">
+            <a:extLst>
+              <a:ext uri="{FF2B5EF4-FFF2-40B4-BE49-F238E27FC236}">
+                <a16:creationId xmlns:a16="http://schemas.microsoft.com/office/drawing/2014/main" id="{781D2BC8-3F9A-D22C-04B1-B20DDC233C58}"/>
+              </a:ext>
+            </a:extLst>
+          </p:cNvPr>
+          <p:cNvSpPr/>
+          <p:nvPr/>
+        </p:nvSpPr>
+        <p:spPr>
+          <a:xfrm>
+            <a:off x="2979173" y="1032611"/>
+            <a:ext cx="5817859" cy="1643188"/>
+          </a:xfrm>
+          <a:prstGeom prst="roundRect">
+            <a:avLst>
+              <a:gd name="adj" fmla="val 4519"/>
+            </a:avLst>
+          </a:prstGeom>
+          <a:noFill/>
+          <a:ln w="9525" cap="flat" cmpd="sng">
+            <a:solidFill>
+              <a:srgbClr val="F2F2F2"/>
+            </a:solidFill>
+            <a:prstDash val="solid"/>
+            <a:round/>
+            <a:headEnd type="none" w="sm" len="sm"/>
+            <a:tailEnd type="none" w="sm" len="sm"/>
+          </a:ln>
+        </p:spPr>
+        <p:txBody>
+          <a:bodyPr spcFirstLastPara="1" wrap="square" lIns="91425" tIns="45700" rIns="91425" bIns="45700" anchor="t" anchorCtr="0">
+            <a:noAutofit/>
+          </a:bodyPr>
+          <a:lstStyle/>
+          <a:p>
+            <a:pPr marL="180000" indent="-180000">
+              <a:buClr>
+                <a:schemeClr val="lt1"/>
+              </a:buClr>
+              <a:buSzPts val="1200"/>
+              <a:buFont typeface="Arial"/>
+              <a:buChar char="•"/>
+            </a:pPr>
+            <a:r>
+              <a:rPr lang="en-IN" dirty="0">
+                <a:solidFill>
+                  <a:schemeClr val="bg1"/>
+                </a:solidFill>
+              </a:rPr>
+              <a:t>Number of products used by customer is a key attribute in retaining customer as active:</a:t>
+            </a:r>
+          </a:p>
+          <a:p>
+            <a:pPr marL="180000" indent="-180000">
+              <a:buClr>
+                <a:schemeClr val="lt1"/>
+              </a:buClr>
+              <a:buSzPts val="1200"/>
+              <a:buFont typeface="Arial"/>
+              <a:buChar char="•"/>
+            </a:pPr>
+            <a:r>
+              <a:rPr lang="en-IN" dirty="0">
+                <a:solidFill>
+                  <a:schemeClr val="bg1"/>
+                </a:solidFill>
+              </a:rPr>
+              <a:t>1. Existing customers have higher products in use vs customers existing inactive compared to other customers which can be a key parameter in predicting customer activation behaviour</a:t>
+            </a:r>
+          </a:p>
+          <a:p>
+            <a:pPr marL="180000" indent="-180000">
+              <a:buClr>
+                <a:schemeClr val="lt1"/>
+              </a:buClr>
+              <a:buSzPts val="1200"/>
+              <a:buFont typeface="Arial"/>
+              <a:buChar char="•"/>
+            </a:pPr>
+            <a:r>
+              <a:rPr lang="en-IN" dirty="0">
+                <a:solidFill>
+                  <a:schemeClr val="bg1"/>
+                </a:solidFill>
+              </a:rPr>
+              <a:t>2. Newly active customers have higher usage of products compared to customers who turned inactive</a:t>
+            </a:r>
+          </a:p>
+          <a:p>
+            <a:pPr marL="180000" indent="-180000">
+              <a:buClr>
+                <a:schemeClr val="lt1"/>
+              </a:buClr>
+              <a:buSzPts val="1200"/>
+              <a:buFont typeface="Arial"/>
+              <a:buChar char="•"/>
+            </a:pPr>
+            <a:endParaRPr lang="en-IN" dirty="0">
+              <a:solidFill>
+                <a:schemeClr val="bg1"/>
+              </a:solidFill>
+            </a:endParaRPr>
+          </a:p>
+        </p:txBody>
+      </p:sp>
+      <p:sp>
+        <p:nvSpPr>
+          <p:cNvPr id="4" name="Google Shape;76;p4">
+            <a:extLst>
+              <a:ext uri="{FF2B5EF4-FFF2-40B4-BE49-F238E27FC236}">
+                <a16:creationId xmlns:a16="http://schemas.microsoft.com/office/drawing/2014/main" id="{FE2F12AC-4467-6828-8B6B-B64B0E16F2A5}"/>
+              </a:ext>
+            </a:extLst>
+          </p:cNvPr>
+          <p:cNvSpPr/>
+          <p:nvPr/>
+        </p:nvSpPr>
+        <p:spPr>
+          <a:xfrm>
+            <a:off x="2979173" y="2781328"/>
+            <a:ext cx="5817859" cy="1643188"/>
+          </a:xfrm>
+          <a:prstGeom prst="roundRect">
+            <a:avLst>
+              <a:gd name="adj" fmla="val 4519"/>
+            </a:avLst>
+          </a:prstGeom>
+          <a:noFill/>
+          <a:ln w="9525" cap="flat" cmpd="sng">
+            <a:solidFill>
+              <a:srgbClr val="F2F2F2"/>
+            </a:solidFill>
+            <a:prstDash val="solid"/>
+            <a:round/>
+            <a:headEnd type="none" w="sm" len="sm"/>
+            <a:tailEnd type="none" w="sm" len="sm"/>
+          </a:ln>
+        </p:spPr>
+        <p:txBody>
+          <a:bodyPr spcFirstLastPara="1" wrap="square" lIns="91425" tIns="45700" rIns="91425" bIns="45700" anchor="t" anchorCtr="0">
+            <a:noAutofit/>
+          </a:bodyPr>
+          <a:lstStyle/>
+          <a:p>
+            <a:pPr marL="180000" indent="-180000">
+              <a:buClr>
+                <a:schemeClr val="lt1"/>
+              </a:buClr>
+              <a:buSzPts val="1200"/>
+              <a:buFont typeface="Arial"/>
+              <a:buChar char="•"/>
+            </a:pPr>
+            <a:r>
+              <a:rPr lang="en-IN" dirty="0" err="1">
+                <a:solidFill>
+                  <a:schemeClr val="bg1"/>
+                </a:solidFill>
+              </a:rPr>
+              <a:t>Avg</a:t>
+            </a:r>
+            <a:r>
+              <a:rPr lang="en-IN" dirty="0">
+                <a:solidFill>
+                  <a:schemeClr val="bg1"/>
+                </a:solidFill>
+              </a:rPr>
+              <a:t> age of existing active customers ~40yrs are more than customers that turned inactive (~35yrs)</a:t>
+            </a:r>
+          </a:p>
+          <a:p>
+            <a:pPr marL="180000" indent="-180000">
+              <a:buClr>
+                <a:schemeClr val="lt1"/>
+              </a:buClr>
+              <a:buSzPts val="1200"/>
+              <a:buFont typeface="Arial"/>
+              <a:buChar char="•"/>
+            </a:pPr>
+            <a:endParaRPr lang="en-IN" dirty="0">
+              <a:solidFill>
+                <a:schemeClr val="bg1"/>
+              </a:solidFill>
+            </a:endParaRPr>
+          </a:p>
+          <a:p>
+            <a:pPr marL="180000" indent="-180000">
+              <a:buClr>
+                <a:schemeClr val="lt1"/>
+              </a:buClr>
+              <a:buSzPts val="1200"/>
+              <a:buFont typeface="Arial"/>
+              <a:buChar char="•"/>
+            </a:pPr>
+            <a:r>
+              <a:rPr lang="en-IN" dirty="0" err="1">
+                <a:solidFill>
+                  <a:schemeClr val="bg1"/>
+                </a:solidFill>
+              </a:rPr>
+              <a:t>Avg</a:t>
+            </a:r>
+            <a:r>
+              <a:rPr lang="en-IN" dirty="0">
+                <a:solidFill>
+                  <a:schemeClr val="bg1"/>
+                </a:solidFill>
+              </a:rPr>
+              <a:t> age of new inactive customers are ~40yrs as well</a:t>
+            </a:r>
+          </a:p>
+          <a:p>
+            <a:pPr marL="180000" indent="-180000">
+              <a:buClr>
+                <a:schemeClr val="lt1"/>
+              </a:buClr>
+              <a:buSzPts val="1200"/>
+              <a:buFont typeface="Arial"/>
+              <a:buChar char="•"/>
+            </a:pPr>
+            <a:endParaRPr lang="en-IN" dirty="0">
+              <a:solidFill>
+                <a:schemeClr val="bg1"/>
+              </a:solidFill>
+            </a:endParaRPr>
+          </a:p>
+          <a:p>
+            <a:pPr marL="180000" indent="-180000">
+              <a:buClr>
+                <a:schemeClr val="lt1"/>
+              </a:buClr>
+              <a:buSzPts val="1200"/>
+              <a:buFont typeface="Arial"/>
+              <a:buChar char="•"/>
+            </a:pPr>
+            <a:r>
+              <a:rPr lang="en-IN" dirty="0">
+                <a:solidFill>
+                  <a:schemeClr val="bg1"/>
+                </a:solidFill>
+              </a:rPr>
+              <a:t>Customers that became inactive are a bit younger than customers who continue to remain active</a:t>
+            </a:r>
+          </a:p>
+        </p:txBody>
+      </p:sp>
+    </p:spTree>
+    <p:extLst>
+      <p:ext uri="{BB962C8B-B14F-4D97-AF65-F5344CB8AC3E}">
+        <p14:creationId xmlns:p14="http://schemas.microsoft.com/office/powerpoint/2010/main" val="1674389284"/>
+      </p:ext>
+    </p:extLst>
+  </p:cSld>
+  <p:clrMapOvr>
+    <a:masterClrMapping/>
+  </p:clrMapOvr>
+</p:sld>
+</file>
+
+<file path=ppt/slides/slide7.xml><?xml version="1.0" encoding="utf-8"?>
+<p:sld xmlns:a="http://schemas.openxmlformats.org/drawingml/2006/main" xmlns:r="http://schemas.openxmlformats.org/officeDocument/2006/relationships" xmlns:p="http://schemas.openxmlformats.org/presentationml/2006/main">
+  <p:cSld>
+    <p:spTree>
+      <p:nvGrpSpPr>
+        <p:cNvPr id="1" name="Shape 84"/>
+        <p:cNvGrpSpPr/>
+        <p:nvPr/>
+      </p:nvGrpSpPr>
+      <p:grpSpPr>
+        <a:xfrm>
+          <a:off x="0" y="0"/>
+          <a:ext cx="0" cy="0"/>
+          <a:chOff x="0" y="0"/>
+          <a:chExt cx="0" cy="0"/>
+        </a:xfrm>
+      </p:grpSpPr>
+      <p:pic>
+        <p:nvPicPr>
+          <p:cNvPr id="85" name="Google Shape;85;p5"/>
+          <p:cNvPicPr preferRelativeResize="0"/>
+          <p:nvPr/>
+        </p:nvPicPr>
+        <p:blipFill rotWithShape="1">
+          <a:blip r:embed="rId3">
+            <a:alphaModFix/>
+          </a:blip>
+          <a:srcRect/>
+          <a:stretch/>
+        </p:blipFill>
+        <p:spPr>
+          <a:xfrm>
+            <a:off x="2" y="0"/>
+            <a:ext cx="9143998" cy="5143499"/>
+          </a:xfrm>
+          <a:prstGeom prst="rect">
+            <a:avLst/>
+          </a:prstGeom>
+          <a:noFill/>
+          <a:ln>
+            <a:noFill/>
+          </a:ln>
+        </p:spPr>
+      </p:pic>
+      <p:sp>
+        <p:nvSpPr>
+          <p:cNvPr id="86" name="Google Shape;86;p5"/>
+          <p:cNvSpPr txBox="1"/>
+          <p:nvPr/>
+        </p:nvSpPr>
+        <p:spPr>
+          <a:xfrm>
+            <a:off x="716400" y="417087"/>
+            <a:ext cx="8187600" cy="615523"/>
+          </a:xfrm>
+          <a:prstGeom prst="rect">
+            <a:avLst/>
+          </a:prstGeom>
+          <a:noFill/>
+          <a:ln>
+            <a:noFill/>
+          </a:ln>
+        </p:spPr>
+        <p:txBody>
+          <a:bodyPr spcFirstLastPara="1" wrap="square" lIns="91425" tIns="91425" rIns="91425" bIns="91425" anchor="t" anchorCtr="0">
+            <a:spAutoFit/>
+          </a:bodyPr>
+          <a:lstStyle/>
+          <a:p>
+            <a:pPr marL="0" marR="0" lvl="0" indent="0" algn="l" rtl="0">
+              <a:lnSpc>
+                <a:spcPct val="100000"/>
+              </a:lnSpc>
+              <a:spcBef>
+                <a:spcPts val="0"/>
+              </a:spcBef>
+              <a:spcAft>
+                <a:spcPts val="0"/>
+              </a:spcAft>
+              <a:buNone/>
+            </a:pPr>
+            <a:r>
               <a:rPr lang="en-US" sz="2800" b="1" i="0" u="none" strike="noStrike" cap="none">
                 <a:solidFill>
                   <a:srgbClr val="FFFFFF"/>
@@ -10566,7 +12588,7 @@
 </p:sld>
 </file>
 
-<file path=ppt/slides/slide5.xml><?xml version="1.0" encoding="utf-8"?>
+<file path=ppt/slides/slide8.xml><?xml version="1.0" encoding="utf-8"?>
 <p:sld xmlns:a="http://schemas.openxmlformats.org/drawingml/2006/main" xmlns:r="http://schemas.openxmlformats.org/officeDocument/2006/relationships" xmlns:p="http://schemas.openxmlformats.org/presentationml/2006/main">
   <p:cSld>
     <p:spTree>
@@ -11442,7 +13464,7 @@
 </p:sld>
 </file>
 
-<file path=ppt/slides/slide6.xml><?xml version="1.0" encoding="utf-8"?>
+<file path=ppt/slides/slide9.xml><?xml version="1.0" encoding="utf-8"?>
 <p:sld xmlns:a="http://schemas.openxmlformats.org/drawingml/2006/main" xmlns:r="http://schemas.openxmlformats.org/officeDocument/2006/relationships" xmlns:p="http://schemas.openxmlformats.org/presentationml/2006/main">
   <p:cSld>
     <p:spTree>
@@ -11712,722 +13734,6 @@
           <a:prstGeom prst="rect">
             <a:avLst/>
           </a:prstGeom>
-        </p:spPr>
-      </p:pic>
-    </p:spTree>
-  </p:cSld>
-  <p:clrMapOvr>
-    <a:masterClrMapping/>
-  </p:clrMapOvr>
-</p:sld>
-</file>
-
-<file path=ppt/slides/slide7.xml><?xml version="1.0" encoding="utf-8"?>
-<p:sld xmlns:a="http://schemas.openxmlformats.org/drawingml/2006/main" xmlns:r="http://schemas.openxmlformats.org/officeDocument/2006/relationships" xmlns:p="http://schemas.openxmlformats.org/presentationml/2006/main">
-  <p:cSld>
-    <p:spTree>
-      <p:nvGrpSpPr>
-        <p:cNvPr id="1" name="Shape 101"/>
-        <p:cNvGrpSpPr/>
-        <p:nvPr/>
-      </p:nvGrpSpPr>
-      <p:grpSpPr>
-        <a:xfrm>
-          <a:off x="0" y="0"/>
-          <a:ext cx="0" cy="0"/>
-          <a:chOff x="0" y="0"/>
-          <a:chExt cx="0" cy="0"/>
-        </a:xfrm>
-      </p:grpSpPr>
-      <p:pic>
-        <p:nvPicPr>
-          <p:cNvPr id="102" name="Google Shape;102;p7"/>
-          <p:cNvPicPr preferRelativeResize="0"/>
-          <p:nvPr/>
-        </p:nvPicPr>
-        <p:blipFill rotWithShape="1">
-          <a:blip r:embed="rId3">
-            <a:alphaModFix/>
-          </a:blip>
-          <a:srcRect/>
-          <a:stretch/>
-        </p:blipFill>
-        <p:spPr>
-          <a:xfrm>
-            <a:off x="2" y="0"/>
-            <a:ext cx="9143998" cy="5143499"/>
-          </a:xfrm>
-          <a:prstGeom prst="rect">
-            <a:avLst/>
-          </a:prstGeom>
-          <a:noFill/>
-          <a:ln>
-            <a:noFill/>
-          </a:ln>
-        </p:spPr>
-      </p:pic>
-      <p:sp>
-        <p:nvSpPr>
-          <p:cNvPr id="103" name="Google Shape;103;p7"/>
-          <p:cNvSpPr txBox="1"/>
-          <p:nvPr/>
-        </p:nvSpPr>
-        <p:spPr>
-          <a:xfrm>
-            <a:off x="361190" y="481586"/>
-            <a:ext cx="8187600" cy="615523"/>
-          </a:xfrm>
-          <a:prstGeom prst="rect">
-            <a:avLst/>
-          </a:prstGeom>
-          <a:noFill/>
-          <a:ln>
-            <a:noFill/>
-          </a:ln>
-        </p:spPr>
-        <p:txBody>
-          <a:bodyPr spcFirstLastPara="1" wrap="square" lIns="91425" tIns="91425" rIns="91425" bIns="91425" anchor="t" anchorCtr="0">
-            <a:spAutoFit/>
-          </a:bodyPr>
-          <a:lstStyle/>
-          <a:p>
-            <a:pPr marL="0" marR="0" lvl="0" indent="0" algn="l" rtl="0">
-              <a:lnSpc>
-                <a:spcPct val="100000"/>
-              </a:lnSpc>
-              <a:spcBef>
-                <a:spcPts val="0"/>
-              </a:spcBef>
-              <a:spcAft>
-                <a:spcPts val="0"/>
-              </a:spcAft>
-              <a:buNone/>
-            </a:pPr>
-            <a:r>
-              <a:rPr lang="en-US" sz="2800" b="1" dirty="0">
-                <a:solidFill>
-                  <a:srgbClr val="FFFFFF"/>
-                </a:solidFill>
-                <a:latin typeface="Roboto"/>
-                <a:ea typeface="Roboto"/>
-                <a:sym typeface="Roboto"/>
-              </a:rPr>
-              <a:t>New Customer Activation: Gender Analysis</a:t>
-            </a:r>
-            <a:endParaRPr dirty="0"/>
-          </a:p>
-        </p:txBody>
-      </p:sp>
-      <p:sp>
-        <p:nvSpPr>
-          <p:cNvPr id="105" name="Google Shape;105;p7"/>
-          <p:cNvSpPr/>
-          <p:nvPr/>
-        </p:nvSpPr>
-        <p:spPr>
-          <a:xfrm>
-            <a:off x="4689011" y="1097109"/>
-            <a:ext cx="3791801" cy="2464626"/>
-          </a:xfrm>
-          <a:prstGeom prst="rect">
-            <a:avLst/>
-          </a:prstGeom>
-          <a:noFill/>
-          <a:ln w="9525" cap="flat" cmpd="sng">
-            <a:solidFill>
-              <a:srgbClr val="F2F2F2">
-                <a:alpha val="60000"/>
-              </a:srgbClr>
-            </a:solidFill>
-            <a:prstDash val="solid"/>
-            <a:round/>
-            <a:headEnd type="none" w="sm" len="sm"/>
-            <a:tailEnd type="none" w="sm" len="sm"/>
-          </a:ln>
-        </p:spPr>
-        <p:txBody>
-          <a:bodyPr spcFirstLastPara="1" wrap="square" lIns="91425" tIns="45700" rIns="91425" bIns="45700" anchor="t" anchorCtr="0">
-            <a:noAutofit/>
-          </a:bodyPr>
-          <a:lstStyle/>
-          <a:p>
-            <a:pPr marL="0" marR="0" lvl="0" indent="0" algn="l" rtl="0">
-              <a:lnSpc>
-                <a:spcPct val="100000"/>
-              </a:lnSpc>
-              <a:spcBef>
-                <a:spcPts val="0"/>
-              </a:spcBef>
-              <a:spcAft>
-                <a:spcPts val="0"/>
-              </a:spcAft>
-              <a:buNone/>
-            </a:pPr>
-            <a:r>
-              <a:rPr lang="en-US" sz="1400" b="0" i="0" u="none" strike="noStrike" cap="none" dirty="0">
-                <a:solidFill>
-                  <a:schemeClr val="lt1"/>
-                </a:solidFill>
-                <a:latin typeface="Roboto"/>
-                <a:ea typeface="Roboto"/>
-                <a:cs typeface="Roboto"/>
-                <a:sym typeface="Roboto"/>
-              </a:rPr>
-              <a:t>Key Findings :</a:t>
-            </a:r>
-          </a:p>
-          <a:p>
-            <a:pPr marL="666900" marR="0" lvl="2" indent="-342900" algn="l" rtl="0">
-              <a:lnSpc>
-                <a:spcPct val="100000"/>
-              </a:lnSpc>
-              <a:spcBef>
-                <a:spcPts val="0"/>
-              </a:spcBef>
-              <a:spcAft>
-                <a:spcPts val="0"/>
-              </a:spcAft>
-              <a:buClr>
-                <a:schemeClr val="bg1"/>
-              </a:buClr>
-              <a:buSzPts val="1400"/>
-              <a:buFont typeface="+mj-lt"/>
-              <a:buAutoNum type="arabicPeriod"/>
-            </a:pPr>
-            <a:r>
-              <a:rPr lang="en-US" dirty="0">
-                <a:solidFill>
-                  <a:schemeClr val="bg1"/>
-                </a:solidFill>
-              </a:rPr>
-              <a:t>39 years is the average age of customers activated during the analysis period</a:t>
-            </a:r>
-          </a:p>
-          <a:p>
-            <a:pPr marL="666900" marR="0" lvl="2" indent="-342900" algn="l" rtl="0">
-              <a:lnSpc>
-                <a:spcPct val="100000"/>
-              </a:lnSpc>
-              <a:spcBef>
-                <a:spcPts val="0"/>
-              </a:spcBef>
-              <a:spcAft>
-                <a:spcPts val="0"/>
-              </a:spcAft>
-              <a:buClr>
-                <a:schemeClr val="bg1"/>
-              </a:buClr>
-              <a:buSzPts val="1400"/>
-              <a:buFont typeface="+mj-lt"/>
-              <a:buAutoNum type="arabicPeriod"/>
-            </a:pPr>
-            <a:r>
-              <a:rPr lang="en-US" dirty="0">
-                <a:solidFill>
-                  <a:schemeClr val="bg1"/>
-                </a:solidFill>
-              </a:rPr>
-              <a:t>Average age of male customers newly activated is between 20-25 years</a:t>
-            </a:r>
-          </a:p>
-          <a:p>
-            <a:pPr marL="666900" marR="0" lvl="2" indent="-342900" algn="l" rtl="0">
-              <a:lnSpc>
-                <a:spcPct val="100000"/>
-              </a:lnSpc>
-              <a:spcBef>
-                <a:spcPts val="0"/>
-              </a:spcBef>
-              <a:spcAft>
-                <a:spcPts val="0"/>
-              </a:spcAft>
-              <a:buClr>
-                <a:schemeClr val="bg1"/>
-              </a:buClr>
-              <a:buSzPts val="1400"/>
-              <a:buFont typeface="+mj-lt"/>
-              <a:buAutoNum type="arabicPeriod"/>
-            </a:pPr>
-            <a:r>
-              <a:rPr lang="en-US" dirty="0">
-                <a:solidFill>
-                  <a:schemeClr val="bg1"/>
-                </a:solidFill>
-              </a:rPr>
-              <a:t>Average age of female customers newly activated shows 40-42 years of age</a:t>
-            </a:r>
-            <a:endParaRPr dirty="0">
-              <a:solidFill>
-                <a:schemeClr val="bg1"/>
-              </a:solidFill>
-            </a:endParaRPr>
-          </a:p>
-        </p:txBody>
-      </p:sp>
-      <p:pic>
-        <p:nvPicPr>
-          <p:cNvPr id="1028" name="Picture 4" descr="Search in sidebar query">
-            <a:extLst>
-              <a:ext uri="{FF2B5EF4-FFF2-40B4-BE49-F238E27FC236}">
-                <a16:creationId xmlns:a16="http://schemas.microsoft.com/office/drawing/2014/main" id="{F1366141-B9A6-7D49-F320-21A99C9BC9EA}"/>
-              </a:ext>
-            </a:extLst>
-          </p:cNvPr>
-          <p:cNvPicPr>
-            <a:picLocks noChangeAspect="1" noChangeArrowheads="1"/>
-          </p:cNvPicPr>
-          <p:nvPr/>
-        </p:nvPicPr>
-        <p:blipFill>
-          <a:blip r:embed="rId4">
-            <a:extLst>
-              <a:ext uri="{28A0092B-C50C-407E-A947-70E740481C1C}">
-                <a14:useLocalDpi xmlns:a14="http://schemas.microsoft.com/office/drawing/2010/main" val="0"/>
-              </a:ext>
-            </a:extLst>
-          </a:blip>
-          <a:srcRect/>
-          <a:stretch>
-            <a:fillRect/>
-          </a:stretch>
-        </p:blipFill>
-        <p:spPr bwMode="auto">
-          <a:xfrm>
-            <a:off x="361190" y="1097109"/>
-            <a:ext cx="4093800" cy="2837502"/>
-          </a:xfrm>
-          <a:prstGeom prst="rect">
-            <a:avLst/>
-          </a:prstGeom>
-          <a:noFill/>
-          <a:extLst>
-            <a:ext uri="{909E8E84-426E-40DD-AFC4-6F175D3DCCD1}">
-              <a14:hiddenFill xmlns:a14="http://schemas.microsoft.com/office/drawing/2010/main">
-                <a:solidFill>
-                  <a:srgbClr val="FFFFFF"/>
-                </a:solidFill>
-              </a14:hiddenFill>
-            </a:ext>
-          </a:extLst>
-        </p:spPr>
-      </p:pic>
-    </p:spTree>
-    <p:extLst>
-      <p:ext uri="{BB962C8B-B14F-4D97-AF65-F5344CB8AC3E}">
-        <p14:creationId xmlns:p14="http://schemas.microsoft.com/office/powerpoint/2010/main" val="4103089545"/>
-      </p:ext>
-    </p:extLst>
-  </p:cSld>
-  <p:clrMapOvr>
-    <a:masterClrMapping/>
-  </p:clrMapOvr>
-</p:sld>
-</file>
-
-<file path=ppt/slides/slide8.xml><?xml version="1.0" encoding="utf-8"?>
-<p:sld xmlns:a="http://schemas.openxmlformats.org/drawingml/2006/main" xmlns:r="http://schemas.openxmlformats.org/officeDocument/2006/relationships" xmlns:p="http://schemas.openxmlformats.org/presentationml/2006/main">
-  <p:cSld>
-    <p:spTree>
-      <p:nvGrpSpPr>
-        <p:cNvPr id="1" name="Shape 101"/>
-        <p:cNvGrpSpPr/>
-        <p:nvPr/>
-      </p:nvGrpSpPr>
-      <p:grpSpPr>
-        <a:xfrm>
-          <a:off x="0" y="0"/>
-          <a:ext cx="0" cy="0"/>
-          <a:chOff x="0" y="0"/>
-          <a:chExt cx="0" cy="0"/>
-        </a:xfrm>
-      </p:grpSpPr>
-      <p:pic>
-        <p:nvPicPr>
-          <p:cNvPr id="102" name="Google Shape;102;p7"/>
-          <p:cNvPicPr preferRelativeResize="0"/>
-          <p:nvPr/>
-        </p:nvPicPr>
-        <p:blipFill rotWithShape="1">
-          <a:blip r:embed="rId3">
-            <a:alphaModFix/>
-          </a:blip>
-          <a:srcRect/>
-          <a:stretch/>
-        </p:blipFill>
-        <p:spPr>
-          <a:xfrm>
-            <a:off x="2" y="0"/>
-            <a:ext cx="9143998" cy="5143499"/>
-          </a:xfrm>
-          <a:prstGeom prst="rect">
-            <a:avLst/>
-          </a:prstGeom>
-          <a:noFill/>
-          <a:ln>
-            <a:noFill/>
-          </a:ln>
-        </p:spPr>
-      </p:pic>
-      <p:sp>
-        <p:nvSpPr>
-          <p:cNvPr id="103" name="Google Shape;103;p7"/>
-          <p:cNvSpPr txBox="1"/>
-          <p:nvPr/>
-        </p:nvSpPr>
-        <p:spPr>
-          <a:xfrm>
-            <a:off x="361190" y="481586"/>
-            <a:ext cx="8187600" cy="615523"/>
-          </a:xfrm>
-          <a:prstGeom prst="rect">
-            <a:avLst/>
-          </a:prstGeom>
-          <a:noFill/>
-          <a:ln>
-            <a:noFill/>
-          </a:ln>
-        </p:spPr>
-        <p:txBody>
-          <a:bodyPr spcFirstLastPara="1" wrap="square" lIns="91425" tIns="91425" rIns="91425" bIns="91425" anchor="t" anchorCtr="0">
-            <a:spAutoFit/>
-          </a:bodyPr>
-          <a:lstStyle/>
-          <a:p>
-            <a:pPr marL="0" marR="0" lvl="0" indent="0" algn="l" rtl="0">
-              <a:lnSpc>
-                <a:spcPct val="100000"/>
-              </a:lnSpc>
-              <a:spcBef>
-                <a:spcPts val="0"/>
-              </a:spcBef>
-              <a:spcAft>
-                <a:spcPts val="0"/>
-              </a:spcAft>
-              <a:buNone/>
-            </a:pPr>
-            <a:r>
-              <a:rPr lang="en-US" sz="2800" b="1" dirty="0">
-                <a:solidFill>
-                  <a:srgbClr val="FFFFFF"/>
-                </a:solidFill>
-                <a:latin typeface="Roboto"/>
-                <a:ea typeface="Roboto"/>
-                <a:sym typeface="Roboto"/>
-              </a:rPr>
-              <a:t>New Customer Activation: Gender Analysis</a:t>
-            </a:r>
-            <a:endParaRPr dirty="0"/>
-          </a:p>
-        </p:txBody>
-      </p:sp>
-      <p:sp>
-        <p:nvSpPr>
-          <p:cNvPr id="105" name="Google Shape;105;p7"/>
-          <p:cNvSpPr/>
-          <p:nvPr/>
-        </p:nvSpPr>
-        <p:spPr>
-          <a:xfrm>
-            <a:off x="4689011" y="1097109"/>
-            <a:ext cx="3791801" cy="2523620"/>
-          </a:xfrm>
-          <a:prstGeom prst="rect">
-            <a:avLst/>
-          </a:prstGeom>
-          <a:noFill/>
-          <a:ln w="9525" cap="flat" cmpd="sng">
-            <a:solidFill>
-              <a:srgbClr val="F2F2F2">
-                <a:alpha val="60000"/>
-              </a:srgbClr>
-            </a:solidFill>
-            <a:prstDash val="solid"/>
-            <a:round/>
-            <a:headEnd type="none" w="sm" len="sm"/>
-            <a:tailEnd type="none" w="sm" len="sm"/>
-          </a:ln>
-        </p:spPr>
-        <p:txBody>
-          <a:bodyPr spcFirstLastPara="1" wrap="square" lIns="91425" tIns="45700" rIns="91425" bIns="45700" anchor="t" anchorCtr="0">
-            <a:noAutofit/>
-          </a:bodyPr>
-          <a:lstStyle/>
-          <a:p>
-            <a:pPr marL="0" marR="0" lvl="0" indent="0" algn="l" rtl="0">
-              <a:lnSpc>
-                <a:spcPct val="100000"/>
-              </a:lnSpc>
-              <a:spcBef>
-                <a:spcPts val="0"/>
-              </a:spcBef>
-              <a:spcAft>
-                <a:spcPts val="0"/>
-              </a:spcAft>
-              <a:buNone/>
-            </a:pPr>
-            <a:r>
-              <a:rPr lang="en-US" sz="1400" b="0" i="0" u="none" strike="noStrike" cap="none" dirty="0">
-                <a:solidFill>
-                  <a:schemeClr val="lt1"/>
-                </a:solidFill>
-                <a:latin typeface="Roboto"/>
-                <a:ea typeface="Roboto"/>
-                <a:cs typeface="Roboto"/>
-                <a:sym typeface="Roboto"/>
-              </a:rPr>
-              <a:t>Key Findings :</a:t>
-            </a:r>
-          </a:p>
-          <a:p>
-            <a:pPr marL="666900" marR="0" lvl="2" indent="-342900" algn="l" rtl="0">
-              <a:lnSpc>
-                <a:spcPct val="100000"/>
-              </a:lnSpc>
-              <a:spcBef>
-                <a:spcPts val="0"/>
-              </a:spcBef>
-              <a:spcAft>
-                <a:spcPts val="0"/>
-              </a:spcAft>
-              <a:buClr>
-                <a:schemeClr val="bg1"/>
-              </a:buClr>
-              <a:buSzPts val="1400"/>
-              <a:buFont typeface="+mj-lt"/>
-              <a:buAutoNum type="arabicPeriod"/>
-            </a:pPr>
-            <a:r>
-              <a:rPr lang="en-US" dirty="0">
-                <a:solidFill>
-                  <a:schemeClr val="bg1"/>
-                </a:solidFill>
-              </a:rPr>
-              <a:t>Majority of customers continued to be in inactive status (&gt;25k)</a:t>
-            </a:r>
-          </a:p>
-          <a:p>
-            <a:pPr marL="666900" marR="0" lvl="2" indent="-342900" algn="l" rtl="0">
-              <a:lnSpc>
-                <a:spcPct val="100000"/>
-              </a:lnSpc>
-              <a:spcBef>
-                <a:spcPts val="0"/>
-              </a:spcBef>
-              <a:spcAft>
-                <a:spcPts val="0"/>
-              </a:spcAft>
-              <a:buClr>
-                <a:schemeClr val="bg1"/>
-              </a:buClr>
-              <a:buSzPts val="1400"/>
-              <a:buFont typeface="+mj-lt"/>
-              <a:buAutoNum type="arabicPeriod"/>
-            </a:pPr>
-            <a:r>
-              <a:rPr lang="en-US" dirty="0">
-                <a:solidFill>
-                  <a:schemeClr val="bg1"/>
-                </a:solidFill>
-              </a:rPr>
-              <a:t>A minor fraction of customers (~2k-3k) customers became active during the 6 month under analysis but a little less number of customers became inactive during the period of analysis</a:t>
-            </a:r>
-          </a:p>
-        </p:txBody>
-      </p:sp>
-      <p:pic>
-        <p:nvPicPr>
-          <p:cNvPr id="2050" name="Picture 2" descr="Search in sidebar query">
-            <a:extLst>
-              <a:ext uri="{FF2B5EF4-FFF2-40B4-BE49-F238E27FC236}">
-                <a16:creationId xmlns:a16="http://schemas.microsoft.com/office/drawing/2014/main" id="{D18CC6EE-DEC4-95D4-BF7C-6197D4186993}"/>
-              </a:ext>
-            </a:extLst>
-          </p:cNvPr>
-          <p:cNvPicPr>
-            <a:picLocks noChangeAspect="1" noChangeArrowheads="1"/>
-          </p:cNvPicPr>
-          <p:nvPr/>
-        </p:nvPicPr>
-        <p:blipFill>
-          <a:blip r:embed="rId4">
-            <a:extLst>
-              <a:ext uri="{28A0092B-C50C-407E-A947-70E740481C1C}">
-                <a14:useLocalDpi xmlns:a14="http://schemas.microsoft.com/office/drawing/2010/main" val="0"/>
-              </a:ext>
-            </a:extLst>
-          </a:blip>
-          <a:srcRect/>
-          <a:stretch>
-            <a:fillRect/>
-          </a:stretch>
-        </p:blipFill>
-        <p:spPr bwMode="auto">
-          <a:xfrm>
-            <a:off x="146131" y="1152218"/>
-            <a:ext cx="4410144" cy="2896214"/>
-          </a:xfrm>
-          <a:prstGeom prst="rect">
-            <a:avLst/>
-          </a:prstGeom>
-          <a:noFill/>
-          <a:extLst>
-            <a:ext uri="{909E8E84-426E-40DD-AFC4-6F175D3DCCD1}">
-              <a14:hiddenFill xmlns:a14="http://schemas.microsoft.com/office/drawing/2010/main">
-                <a:solidFill>
-                  <a:srgbClr val="FFFFFF"/>
-                </a:solidFill>
-              </a14:hiddenFill>
-            </a:ext>
-          </a:extLst>
-        </p:spPr>
-      </p:pic>
-    </p:spTree>
-    <p:extLst>
-      <p:ext uri="{BB962C8B-B14F-4D97-AF65-F5344CB8AC3E}">
-        <p14:creationId xmlns:p14="http://schemas.microsoft.com/office/powerpoint/2010/main" val="2931946990"/>
-      </p:ext>
-    </p:extLst>
-  </p:cSld>
-  <p:clrMapOvr>
-    <a:masterClrMapping/>
-  </p:clrMapOvr>
-</p:sld>
-</file>
-
-<file path=ppt/slides/slide9.xml><?xml version="1.0" encoding="utf-8"?>
-<p:sld xmlns:a="http://schemas.openxmlformats.org/drawingml/2006/main" xmlns:r="http://schemas.openxmlformats.org/officeDocument/2006/relationships" xmlns:p="http://schemas.openxmlformats.org/presentationml/2006/main">
-  <p:cSld>
-    <p:spTree>
-      <p:nvGrpSpPr>
-        <p:cNvPr id="1" name="Shape 134"/>
-        <p:cNvGrpSpPr/>
-        <p:nvPr/>
-      </p:nvGrpSpPr>
-      <p:grpSpPr>
-        <a:xfrm>
-          <a:off x="0" y="0"/>
-          <a:ext cx="0" cy="0"/>
-          <a:chOff x="0" y="0"/>
-          <a:chExt cx="0" cy="0"/>
-        </a:xfrm>
-      </p:grpSpPr>
-      <p:sp>
-        <p:nvSpPr>
-          <p:cNvPr id="135" name="Google Shape;135;p11"/>
-          <p:cNvSpPr txBox="1">
-            <a:spLocks noGrp="1"/>
-          </p:cNvSpPr>
-          <p:nvPr>
-            <p:ph type="title"/>
-          </p:nvPr>
-        </p:nvSpPr>
-        <p:spPr>
-          <a:xfrm>
-            <a:off x="311700" y="445025"/>
-            <a:ext cx="8520600" cy="572700"/>
-          </a:xfrm>
-          <a:prstGeom prst="rect">
-            <a:avLst/>
-          </a:prstGeom>
-          <a:noFill/>
-          <a:ln>
-            <a:noFill/>
-          </a:ln>
-        </p:spPr>
-        <p:txBody>
-          <a:bodyPr spcFirstLastPara="1" wrap="square" lIns="91425" tIns="91425" rIns="91425" bIns="91425" anchor="t" anchorCtr="0">
-            <a:normAutofit fontScale="90000"/>
-          </a:bodyPr>
-          <a:lstStyle/>
-          <a:p>
-            <a:pPr marL="0" lvl="0" indent="0" algn="l" rtl="0">
-              <a:lnSpc>
-                <a:spcPct val="100000"/>
-              </a:lnSpc>
-              <a:spcBef>
-                <a:spcPts val="0"/>
-              </a:spcBef>
-              <a:spcAft>
-                <a:spcPts val="0"/>
-              </a:spcAft>
-              <a:buSzPct val="111111"/>
-              <a:buNone/>
-            </a:pPr>
-            <a:endParaRPr/>
-          </a:p>
-        </p:txBody>
-      </p:sp>
-      <p:sp>
-        <p:nvSpPr>
-          <p:cNvPr id="136" name="Google Shape;136;p11"/>
-          <p:cNvSpPr txBox="1">
-            <a:spLocks noGrp="1"/>
-          </p:cNvSpPr>
-          <p:nvPr>
-            <p:ph type="body" idx="1"/>
-          </p:nvPr>
-        </p:nvSpPr>
-        <p:spPr>
-          <a:xfrm>
-            <a:off x="311700" y="1152475"/>
-            <a:ext cx="8520600" cy="3416400"/>
-          </a:xfrm>
-          <a:prstGeom prst="rect">
-            <a:avLst/>
-          </a:prstGeom>
-          <a:noFill/>
-          <a:ln>
-            <a:noFill/>
-          </a:ln>
-        </p:spPr>
-        <p:txBody>
-          <a:bodyPr spcFirstLastPara="1" wrap="square" lIns="91425" tIns="91425" rIns="91425" bIns="91425" anchor="t" anchorCtr="0">
-            <a:normAutofit/>
-          </a:bodyPr>
-          <a:lstStyle/>
-          <a:p>
-            <a:pPr marL="0" lvl="0" indent="0" algn="l" rtl="0">
-              <a:lnSpc>
-                <a:spcPct val="115000"/>
-              </a:lnSpc>
-              <a:spcBef>
-                <a:spcPts val="0"/>
-              </a:spcBef>
-              <a:spcAft>
-                <a:spcPts val="1200"/>
-              </a:spcAft>
-              <a:buSzPts val="1800"/>
-              <a:buNone/>
-            </a:pPr>
-            <a:endParaRPr/>
-          </a:p>
-        </p:txBody>
-      </p:sp>
-      <p:pic>
-        <p:nvPicPr>
-          <p:cNvPr id="137" name="Google Shape;137;p11"/>
-          <p:cNvPicPr preferRelativeResize="0"/>
-          <p:nvPr/>
-        </p:nvPicPr>
-        <p:blipFill rotWithShape="1">
-          <a:blip r:embed="rId3">
-            <a:alphaModFix/>
-          </a:blip>
-          <a:srcRect/>
-          <a:stretch/>
-        </p:blipFill>
-        <p:spPr>
-          <a:xfrm>
-            <a:off x="0" y="0"/>
-            <a:ext cx="9144000" cy="5143500"/>
-          </a:xfrm>
-          <a:prstGeom prst="rect">
-            <a:avLst/>
-          </a:prstGeom>
-          <a:noFill/>
-          <a:ln>
-            <a:noFill/>
-          </a:ln>
         </p:spPr>
       </p:pic>
     </p:spTree>
